--- a/Angular.pptx
+++ b/Angular.pptx
@@ -7,26 +7,32 @@
   <p:sldIdLst>
     <p:sldId id="256" r:id="rId2"/>
     <p:sldId id="257" r:id="rId3"/>
-    <p:sldId id="258" r:id="rId4"/>
-    <p:sldId id="259" r:id="rId5"/>
-    <p:sldId id="260" r:id="rId6"/>
-    <p:sldId id="261" r:id="rId7"/>
-    <p:sldId id="269" r:id="rId8"/>
-    <p:sldId id="262" r:id="rId9"/>
-    <p:sldId id="263" r:id="rId10"/>
-    <p:sldId id="264" r:id="rId11"/>
-    <p:sldId id="265" r:id="rId12"/>
-    <p:sldId id="266" r:id="rId13"/>
-    <p:sldId id="267" r:id="rId14"/>
-    <p:sldId id="268" r:id="rId15"/>
-    <p:sldId id="270" r:id="rId16"/>
-    <p:sldId id="271" r:id="rId17"/>
-    <p:sldId id="272" r:id="rId18"/>
-    <p:sldId id="274" r:id="rId19"/>
-    <p:sldId id="273" r:id="rId20"/>
-    <p:sldId id="275" r:id="rId21"/>
-    <p:sldId id="276" r:id="rId22"/>
-    <p:sldId id="277" r:id="rId23"/>
+    <p:sldId id="280" r:id="rId4"/>
+    <p:sldId id="281" r:id="rId5"/>
+    <p:sldId id="282" r:id="rId6"/>
+    <p:sldId id="283" r:id="rId7"/>
+    <p:sldId id="284" r:id="rId8"/>
+    <p:sldId id="279" r:id="rId9"/>
+    <p:sldId id="258" r:id="rId10"/>
+    <p:sldId id="259" r:id="rId11"/>
+    <p:sldId id="260" r:id="rId12"/>
+    <p:sldId id="261" r:id="rId13"/>
+    <p:sldId id="269" r:id="rId14"/>
+    <p:sldId id="262" r:id="rId15"/>
+    <p:sldId id="263" r:id="rId16"/>
+    <p:sldId id="264" r:id="rId17"/>
+    <p:sldId id="265" r:id="rId18"/>
+    <p:sldId id="266" r:id="rId19"/>
+    <p:sldId id="267" r:id="rId20"/>
+    <p:sldId id="268" r:id="rId21"/>
+    <p:sldId id="270" r:id="rId22"/>
+    <p:sldId id="271" r:id="rId23"/>
+    <p:sldId id="272" r:id="rId24"/>
+    <p:sldId id="274" r:id="rId25"/>
+    <p:sldId id="273" r:id="rId26"/>
+    <p:sldId id="275" r:id="rId27"/>
+    <p:sldId id="276" r:id="rId28"/>
+    <p:sldId id="277" r:id="rId29"/>
   </p:sldIdLst>
   <p:sldSz cx="12192000" cy="6858000"/>
   <p:notesSz cx="6858000" cy="9144000"/>
@@ -126,52 +132,6 @@
     </a:lvl9pPr>
   </p:defaultTextStyle>
   <p:extLst>
-    <p:ext uri="{521415D9-36F7-43E2-AB2F-B90AF26B5E84}">
-      <p14:sectionLst xmlns:p14="http://schemas.microsoft.com/office/powerpoint/2010/main">
-        <p14:section name="Default Section" id="{1F70CE7F-C83D-46C1-A0D2-8367E426BCDD}">
-          <p14:sldIdLst>
-            <p14:sldId id="256"/>
-          </p14:sldIdLst>
-        </p14:section>
-        <p14:section name="Untitled Section" id="{FD22406C-C1DA-42E4-A5FD-F143D9AF627C}">
-          <p14:sldIdLst>
-            <p14:sldId id="257"/>
-          </p14:sldIdLst>
-        </p14:section>
-        <p14:section name="Untitled Section" id="{01420AB6-C7D5-4A09-A104-0C05F7934029}">
-          <p14:sldIdLst>
-            <p14:sldId id="258"/>
-          </p14:sldIdLst>
-        </p14:section>
-        <p14:section name="Untitled Section" id="{387D3588-9994-4283-9DF2-016D7724E649}">
-          <p14:sldIdLst>
-            <p14:sldId id="259"/>
-          </p14:sldIdLst>
-        </p14:section>
-        <p14:section name="Untitled Section" id="{07FAD84A-64C1-412B-9E75-F37ED8034D65}">
-          <p14:sldIdLst>
-            <p14:sldId id="260"/>
-            <p14:sldId id="261"/>
-            <p14:sldId id="269"/>
-            <p14:sldId id="262"/>
-            <p14:sldId id="263"/>
-            <p14:sldId id="264"/>
-            <p14:sldId id="265"/>
-            <p14:sldId id="266"/>
-            <p14:sldId id="267"/>
-            <p14:sldId id="268"/>
-            <p14:sldId id="270"/>
-            <p14:sldId id="271"/>
-            <p14:sldId id="272"/>
-            <p14:sldId id="274"/>
-            <p14:sldId id="273"/>
-            <p14:sldId id="275"/>
-            <p14:sldId id="276"/>
-            <p14:sldId id="277"/>
-          </p14:sldIdLst>
-        </p14:section>
-      </p14:sectionLst>
-    </p:ext>
     <p:ext uri="{EFAFB233-063F-42B5-8137-9DF3F51BA10A}">
       <p15:sldGuideLst xmlns:p15="http://schemas.microsoft.com/office/powerpoint/2012/main"/>
     </p:ext>
@@ -365,7 +325,7 @@
           <a:p>
             <a:fld id="{4AAD347D-5ACD-4C99-B74B-A9C85AD731AF}" type="datetimeFigureOut">
               <a:rPr lang="en-US" dirty="0"/>
-              <a:t>9/9/2019</a:t>
+              <a:t>9/11/2019</a:t>
             </a:fld>
             <a:endParaRPr lang="en-US" dirty="0"/>
           </a:p>
@@ -635,7 +595,7 @@
           <a:p>
             <a:fld id="{4509A250-FF31-4206-8172-F9D3106AACB1}" type="datetimeFigureOut">
               <a:rPr lang="en-US" dirty="0"/>
-              <a:t>9/9/2019</a:t>
+              <a:t>9/11/2019</a:t>
             </a:fld>
             <a:endParaRPr lang="en-US" dirty="0"/>
           </a:p>
@@ -824,7 +784,7 @@
           <a:p>
             <a:fld id="{4509A250-FF31-4206-8172-F9D3106AACB1}" type="datetimeFigureOut">
               <a:rPr lang="en-US" dirty="0"/>
-              <a:t>9/9/2019</a:t>
+              <a:t>9/11/2019</a:t>
             </a:fld>
             <a:endParaRPr lang="en-US" dirty="0"/>
           </a:p>
@@ -1092,7 +1052,7 @@
           <a:p>
             <a:fld id="{4509A250-FF31-4206-8172-F9D3106AACB1}" type="datetimeFigureOut">
               <a:rPr lang="en-US" dirty="0"/>
-              <a:t>9/9/2019</a:t>
+              <a:t>9/11/2019</a:t>
             </a:fld>
             <a:endParaRPr lang="en-US" dirty="0"/>
           </a:p>
@@ -1428,7 +1388,7 @@
           <a:p>
             <a:fld id="{4509A250-FF31-4206-8172-F9D3106AACB1}" type="datetimeFigureOut">
               <a:rPr lang="en-US" dirty="0"/>
-              <a:t>9/9/2019</a:t>
+              <a:t>9/11/2019</a:t>
             </a:fld>
             <a:endParaRPr lang="en-US" dirty="0"/>
           </a:p>
@@ -2046,7 +2006,7 @@
           <a:p>
             <a:fld id="{4509A250-FF31-4206-8172-F9D3106AACB1}" type="datetimeFigureOut">
               <a:rPr lang="en-US" dirty="0"/>
-              <a:t>9/9/2019</a:t>
+              <a:t>9/11/2019</a:t>
             </a:fld>
             <a:endParaRPr lang="en-US" dirty="0"/>
           </a:p>
@@ -2901,7 +2861,7 @@
           <a:p>
             <a:fld id="{4509A250-FF31-4206-8172-F9D3106AACB1}" type="datetimeFigureOut">
               <a:rPr lang="en-US" dirty="0"/>
-              <a:t>9/9/2019</a:t>
+              <a:t>9/11/2019</a:t>
             </a:fld>
             <a:endParaRPr lang="en-US" dirty="0"/>
           </a:p>
@@ -3066,7 +3026,7 @@
           <a:p>
             <a:fld id="{4509A250-FF31-4206-8172-F9D3106AACB1}" type="datetimeFigureOut">
               <a:rPr lang="en-US" dirty="0"/>
-              <a:t>9/9/2019</a:t>
+              <a:t>9/11/2019</a:t>
             </a:fld>
             <a:endParaRPr lang="en-US" dirty="0"/>
           </a:p>
@@ -3241,7 +3201,7 @@
           <a:p>
             <a:fld id="{4509A250-FF31-4206-8172-F9D3106AACB1}" type="datetimeFigureOut">
               <a:rPr lang="en-US" dirty="0"/>
-              <a:t>9/9/2019</a:t>
+              <a:t>9/11/2019</a:t>
             </a:fld>
             <a:endParaRPr lang="en-US" dirty="0"/>
           </a:p>
@@ -3406,7 +3366,7 @@
           <a:p>
             <a:fld id="{4509A250-FF31-4206-8172-F9D3106AACB1}" type="datetimeFigureOut">
               <a:rPr lang="en-US" dirty="0"/>
-              <a:t>9/9/2019</a:t>
+              <a:t>9/11/2019</a:t>
             </a:fld>
             <a:endParaRPr lang="en-US" dirty="0"/>
           </a:p>
@@ -3648,7 +3608,7 @@
           <a:p>
             <a:fld id="{9796027F-7875-4030-9381-8BD8C4F21935}" type="datetimeFigureOut">
               <a:rPr lang="en-US" dirty="0"/>
-              <a:t>9/9/2019</a:t>
+              <a:t>9/11/2019</a:t>
             </a:fld>
             <a:endParaRPr lang="en-US" dirty="0"/>
           </a:p>
@@ -3935,7 +3895,7 @@
           <a:p>
             <a:fld id="{9796027F-7875-4030-9381-8BD8C4F21935}" type="datetimeFigureOut">
               <a:rPr lang="en-US" dirty="0"/>
-              <a:t>9/9/2019</a:t>
+              <a:t>9/11/2019</a:t>
             </a:fld>
             <a:endParaRPr lang="en-US" dirty="0"/>
           </a:p>
@@ -4374,7 +4334,7 @@
           <a:p>
             <a:fld id="{9796027F-7875-4030-9381-8BD8C4F21935}" type="datetimeFigureOut">
               <a:rPr lang="en-US" dirty="0"/>
-              <a:t>9/9/2019</a:t>
+              <a:t>9/11/2019</a:t>
             </a:fld>
             <a:endParaRPr lang="en-US" dirty="0"/>
           </a:p>
@@ -4487,7 +4447,7 @@
           <a:p>
             <a:fld id="{4509A250-FF31-4206-8172-F9D3106AACB1}" type="datetimeFigureOut">
               <a:rPr lang="en-US" dirty="0"/>
-              <a:t>9/9/2019</a:t>
+              <a:t>9/11/2019</a:t>
             </a:fld>
             <a:endParaRPr lang="en-US" dirty="0"/>
           </a:p>
@@ -4577,7 +4537,7 @@
           <a:p>
             <a:fld id="{4509A250-FF31-4206-8172-F9D3106AACB1}" type="datetimeFigureOut">
               <a:rPr lang="en-US" dirty="0"/>
-              <a:t>9/9/2019</a:t>
+              <a:t>9/11/2019</a:t>
             </a:fld>
             <a:endParaRPr lang="en-US" dirty="0"/>
           </a:p>
@@ -4851,7 +4811,7 @@
           <a:p>
             <a:fld id="{4509A250-FF31-4206-8172-F9D3106AACB1}" type="datetimeFigureOut">
               <a:rPr lang="en-US" dirty="0"/>
-              <a:t>9/9/2019</a:t>
+              <a:t>9/11/2019</a:t>
             </a:fld>
             <a:endParaRPr lang="en-US" dirty="0"/>
           </a:p>
@@ -5121,7 +5081,7 @@
           <a:p>
             <a:fld id="{4509A250-FF31-4206-8172-F9D3106AACB1}" type="datetimeFigureOut">
               <a:rPr lang="en-US" dirty="0"/>
-              <a:t>9/9/2019</a:t>
+              <a:t>9/11/2019</a:t>
             </a:fld>
             <a:endParaRPr lang="en-US" dirty="0"/>
           </a:p>
@@ -5545,7 +5505,7 @@
           <a:p>
             <a:fld id="{4AAD347D-5ACD-4C99-B74B-A9C85AD731AF}" type="datetimeFigureOut">
               <a:rPr lang="en-US" dirty="0"/>
-              <a:t>9/9/2019</a:t>
+              <a:t>9/11/2019</a:t>
             </a:fld>
             <a:endParaRPr lang="en-US" dirty="0"/>
           </a:p>
@@ -6085,7 +6045,12 @@
             <p:ph type="ctrTitle"/>
           </p:nvPr>
         </p:nvSpPr>
-        <p:spPr/>
+        <p:spPr>
+          <a:xfrm>
+            <a:off x="1154955" y="3666478"/>
+            <a:ext cx="8825658" cy="1110903"/>
+          </a:xfrm>
+        </p:spPr>
         <p:txBody>
           <a:bodyPr/>
           <a:lstStyle/>
@@ -6180,7 +6145,7 @@
           <a:p>
             <a:r>
               <a:rPr lang="en-US" dirty="0"/>
-              <a:t>Why Angular?</a:t>
+              <a:t>What is Angular?</a:t>
             </a:r>
             <a:endParaRPr lang="en-GB" dirty="0"/>
           </a:p>
@@ -6209,33 +6174,36 @@
           <a:p>
             <a:r>
               <a:rPr lang="en-US" dirty="0"/>
-              <a:t>Single Page Application</a:t>
-            </a:r>
-          </a:p>
-          <a:p>
-            <a:r>
-              <a:rPr lang="en-US" dirty="0"/>
-              <a:t>Component Based</a:t>
-            </a:r>
-          </a:p>
-          <a:p>
-            <a:r>
-              <a:rPr lang="en-US" dirty="0"/>
-              <a:t>Encourages use of patterns</a:t>
-            </a:r>
-          </a:p>
-          <a:p>
-            <a:r>
-              <a:rPr lang="en-US" dirty="0"/>
-              <a:t>Uses interfaces and dependency injection</a:t>
-            </a:r>
+              <a:t>Angular is a </a:t>
+            </a:r>
+            <a:r>
+              <a:rPr lang="en-US" dirty="0" err="1"/>
+              <a:t>Javascript</a:t>
+            </a:r>
+            <a:r>
+              <a:rPr lang="en-US" dirty="0"/>
+              <a:t> framework</a:t>
+            </a:r>
+          </a:p>
+          <a:p>
+            <a:r>
+              <a:rPr lang="en-US" dirty="0"/>
+              <a:t>First appeared in October 2010</a:t>
+            </a:r>
+          </a:p>
+          <a:p>
+            <a:r>
+              <a:rPr lang="en-US" dirty="0"/>
+              <a:t>Angular 2 launched in September 2016</a:t>
+            </a:r>
+            <a:endParaRPr lang="en-GB" dirty="0"/>
           </a:p>
         </p:txBody>
       </p:sp>
     </p:spTree>
     <p:extLst>
       <p:ext uri="{BB962C8B-B14F-4D97-AF65-F5344CB8AC3E}">
-        <p14:creationId xmlns:p14="http://schemas.microsoft.com/office/powerpoint/2010/main" val="729305646"/>
+        <p14:creationId xmlns:p14="http://schemas.microsoft.com/office/powerpoint/2010/main" val="2847241169"/>
       </p:ext>
     </p:extLst>
   </p:cSld>
@@ -6288,7 +6256,7 @@
           <a:p>
             <a:r>
               <a:rPr lang="en-US" dirty="0"/>
-              <a:t>Why Angular?</a:t>
+              <a:t>What is Angular?</a:t>
             </a:r>
             <a:endParaRPr lang="en-GB" dirty="0"/>
           </a:p>
@@ -6317,44 +6285,42 @@
           <a:p>
             <a:r>
               <a:rPr lang="en-US" dirty="0"/>
-              <a:t>Single Page Application</a:t>
-            </a:r>
-          </a:p>
-          <a:p>
-            <a:r>
-              <a:rPr lang="en-US" dirty="0"/>
-              <a:t>Component Based</a:t>
-            </a:r>
-          </a:p>
-          <a:p>
-            <a:r>
-              <a:rPr lang="en-US" dirty="0"/>
-              <a:t>Encourages use of patterns</a:t>
-            </a:r>
-          </a:p>
-          <a:p>
-            <a:r>
-              <a:rPr lang="en-US" dirty="0"/>
-              <a:t>Uses interfaces and dependency injection</a:t>
-            </a:r>
-          </a:p>
-          <a:p>
-            <a:r>
-              <a:rPr lang="en-US" dirty="0"/>
-              <a:t>Code is well </a:t>
+              <a:t>Angular is a </a:t>
             </a:r>
             <a:r>
               <a:rPr lang="en-US" dirty="0" err="1"/>
-              <a:t>organised</a:t>
-            </a:r>
-            <a:endParaRPr lang="en-US" dirty="0"/>
+              <a:t>Javascript</a:t>
+            </a:r>
+            <a:r>
+              <a:rPr lang="en-US" dirty="0"/>
+              <a:t> framework</a:t>
+            </a:r>
+          </a:p>
+          <a:p>
+            <a:r>
+              <a:rPr lang="en-US" dirty="0"/>
+              <a:t>First appeared in October 2010</a:t>
+            </a:r>
+          </a:p>
+          <a:p>
+            <a:r>
+              <a:rPr lang="en-US" dirty="0"/>
+              <a:t>Angular 2 launched in September 2016</a:t>
+            </a:r>
+          </a:p>
+          <a:p>
+            <a:r>
+              <a:rPr lang="en-US" dirty="0"/>
+              <a:t>AngularJS and Angular exist side by side</a:t>
+            </a:r>
+            <a:endParaRPr lang="en-GB" dirty="0"/>
           </a:p>
         </p:txBody>
       </p:sp>
     </p:spTree>
     <p:extLst>
       <p:ext uri="{BB962C8B-B14F-4D97-AF65-F5344CB8AC3E}">
-        <p14:creationId xmlns:p14="http://schemas.microsoft.com/office/powerpoint/2010/main" val="1710202916"/>
+        <p14:creationId xmlns:p14="http://schemas.microsoft.com/office/powerpoint/2010/main" val="1366644391"/>
       </p:ext>
     </p:extLst>
   </p:cSld>
@@ -6434,47 +6400,17 @@
           <a:bodyPr/>
           <a:lstStyle/>
           <a:p>
-            <a:r>
-              <a:rPr lang="en-US" dirty="0"/>
-              <a:t>Single Page Application</a:t>
-            </a:r>
-          </a:p>
-          <a:p>
-            <a:r>
-              <a:rPr lang="en-US" dirty="0"/>
-              <a:t>Component Based</a:t>
-            </a:r>
-          </a:p>
-          <a:p>
-            <a:r>
-              <a:rPr lang="en-US" dirty="0"/>
-              <a:t>Encourages use of patterns</a:t>
-            </a:r>
-          </a:p>
-          <a:p>
-            <a:r>
-              <a:rPr lang="en-US" dirty="0"/>
-              <a:t>Uses interfaces and dependency injection</a:t>
-            </a:r>
-          </a:p>
-          <a:p>
-            <a:r>
-              <a:rPr lang="en-US" dirty="0"/>
-              <a:t>Code is well organized</a:t>
-            </a:r>
-          </a:p>
-          <a:p>
-            <a:r>
-              <a:rPr lang="en-US" dirty="0"/>
-              <a:t>Built-in bundling and minification</a:t>
-            </a:r>
+            <a:pPr marL="0" indent="0">
+              <a:buNone/>
+            </a:pPr>
+            <a:endParaRPr lang="en-US" dirty="0"/>
           </a:p>
         </p:txBody>
       </p:sp>
     </p:spTree>
     <p:extLst>
       <p:ext uri="{BB962C8B-B14F-4D97-AF65-F5344CB8AC3E}">
-        <p14:creationId xmlns:p14="http://schemas.microsoft.com/office/powerpoint/2010/main" val="574221577"/>
+        <p14:creationId xmlns:p14="http://schemas.microsoft.com/office/powerpoint/2010/main" val="3842485195"/>
       </p:ext>
     </p:extLst>
   </p:cSld>
@@ -6559,48 +6495,12 @@
               <a:t>Single Page Application</a:t>
             </a:r>
           </a:p>
-          <a:p>
-            <a:r>
-              <a:rPr lang="en-US" dirty="0"/>
-              <a:t>Component Based</a:t>
-            </a:r>
-          </a:p>
-          <a:p>
-            <a:r>
-              <a:rPr lang="en-US" dirty="0"/>
-              <a:t>Encourages use of patterns</a:t>
-            </a:r>
-          </a:p>
-          <a:p>
-            <a:r>
-              <a:rPr lang="en-US" dirty="0"/>
-              <a:t>Uses interfaces and dependency injection</a:t>
-            </a:r>
-          </a:p>
-          <a:p>
-            <a:r>
-              <a:rPr lang="en-US" dirty="0"/>
-              <a:t>Code is well organized</a:t>
-            </a:r>
-          </a:p>
-          <a:p>
-            <a:r>
-              <a:rPr lang="en-US" dirty="0"/>
-              <a:t>Built-in bundling and minification</a:t>
-            </a:r>
-          </a:p>
-          <a:p>
-            <a:r>
-              <a:rPr lang="en-US" dirty="0"/>
-              <a:t>Uses Typescript and CSS pre-compilers (SASS/LESS) out of the box.</a:t>
-            </a:r>
-          </a:p>
         </p:txBody>
       </p:sp>
     </p:spTree>
     <p:extLst>
       <p:ext uri="{BB962C8B-B14F-4D97-AF65-F5344CB8AC3E}">
-        <p14:creationId xmlns:p14="http://schemas.microsoft.com/office/powerpoint/2010/main" val="1660693393"/>
+        <p14:creationId xmlns:p14="http://schemas.microsoft.com/office/powerpoint/2010/main" val="469729035"/>
       </p:ext>
     </p:extLst>
   </p:cSld>
@@ -6691,56 +6591,12 @@
               <a:t>Component Based</a:t>
             </a:r>
           </a:p>
-          <a:p>
-            <a:r>
-              <a:rPr lang="en-US" dirty="0"/>
-              <a:t>Encourages use of patterns</a:t>
-            </a:r>
-          </a:p>
-          <a:p>
-            <a:r>
-              <a:rPr lang="en-US" dirty="0"/>
-              <a:t>Uses interfaces and dependency injection</a:t>
-            </a:r>
-          </a:p>
-          <a:p>
-            <a:r>
-              <a:rPr lang="en-US" dirty="0"/>
-              <a:t>Code is well organized</a:t>
-            </a:r>
-          </a:p>
-          <a:p>
-            <a:r>
-              <a:rPr lang="en-US" dirty="0"/>
-              <a:t>Built-in bundling and minification</a:t>
-            </a:r>
-          </a:p>
-          <a:p>
-            <a:r>
-              <a:rPr lang="en-US" dirty="0"/>
-              <a:t>Uses Typescript and CSS pre-compilers (SASS/LESS) out of the box.</a:t>
-            </a:r>
-          </a:p>
-          <a:p>
-            <a:r>
-              <a:rPr lang="en-US" dirty="0"/>
-              <a:t>Reporting section of Darwin/</a:t>
-            </a:r>
-            <a:r>
-              <a:rPr lang="en-US" dirty="0" err="1"/>
-              <a:t>eServices</a:t>
-            </a:r>
-            <a:r>
-              <a:rPr lang="en-US" dirty="0"/>
-              <a:t> written in Angular.</a:t>
-            </a:r>
-          </a:p>
         </p:txBody>
       </p:sp>
     </p:spTree>
     <p:extLst>
       <p:ext uri="{BB962C8B-B14F-4D97-AF65-F5344CB8AC3E}">
-        <p14:creationId xmlns:p14="http://schemas.microsoft.com/office/powerpoint/2010/main" val="608377538"/>
+        <p14:creationId xmlns:p14="http://schemas.microsoft.com/office/powerpoint/2010/main" val="864710568"/>
       </p:ext>
     </p:extLst>
   </p:cSld>
@@ -6793,7 +6649,7 @@
           <a:p>
             <a:r>
               <a:rPr lang="en-US" dirty="0"/>
-              <a:t>What do we need to start using Angular?</a:t>
+              <a:t>Why Angular?</a:t>
             </a:r>
             <a:endParaRPr lang="en-GB" dirty="0"/>
           </a:p>
@@ -6820,17 +6676,29 @@
           <a:bodyPr/>
           <a:lstStyle/>
           <a:p>
-            <a:pPr marL="0" indent="0">
-              <a:buNone/>
-            </a:pPr>
-            <a:endParaRPr lang="en-US" dirty="0"/>
+            <a:r>
+              <a:rPr lang="en-US" dirty="0"/>
+              <a:t>Single Page Application</a:t>
+            </a:r>
+          </a:p>
+          <a:p>
+            <a:r>
+              <a:rPr lang="en-US" dirty="0"/>
+              <a:t>Component Based</a:t>
+            </a:r>
+          </a:p>
+          <a:p>
+            <a:r>
+              <a:rPr lang="en-US" dirty="0"/>
+              <a:t>Encourages use of patterns</a:t>
+            </a:r>
           </a:p>
         </p:txBody>
       </p:sp>
     </p:spTree>
     <p:extLst>
       <p:ext uri="{BB962C8B-B14F-4D97-AF65-F5344CB8AC3E}">
-        <p14:creationId xmlns:p14="http://schemas.microsoft.com/office/powerpoint/2010/main" val="1335752627"/>
+        <p14:creationId xmlns:p14="http://schemas.microsoft.com/office/powerpoint/2010/main" val="1372365167"/>
       </p:ext>
     </p:extLst>
   </p:cSld>
@@ -6883,7 +6751,7 @@
           <a:p>
             <a:r>
               <a:rPr lang="en-US" dirty="0"/>
-              <a:t>What do we need to start using Angular?</a:t>
+              <a:t>Why Angular?</a:t>
             </a:r>
             <a:endParaRPr lang="en-GB" dirty="0"/>
           </a:p>
@@ -6911,12 +6779,26 @@
           <a:lstStyle/>
           <a:p>
             <a:r>
-              <a:rPr lang="en-US" dirty="0" err="1"/>
-              <a:t>NodeJs</a:t>
-            </a:r>
-            <a:r>
-              <a:rPr lang="en-US" dirty="0"/>
-              <a:t> which can be downloaded from nodejs.org</a:t>
+              <a:rPr lang="en-US" dirty="0"/>
+              <a:t>Single Page Application</a:t>
+            </a:r>
+          </a:p>
+          <a:p>
+            <a:r>
+              <a:rPr lang="en-US" dirty="0"/>
+              <a:t>Component Based</a:t>
+            </a:r>
+          </a:p>
+          <a:p>
+            <a:r>
+              <a:rPr lang="en-US" dirty="0"/>
+              <a:t>Encourages use of patterns</a:t>
+            </a:r>
+          </a:p>
+          <a:p>
+            <a:r>
+              <a:rPr lang="en-US" dirty="0"/>
+              <a:t>Uses interfaces and dependency injection</a:t>
             </a:r>
           </a:p>
         </p:txBody>
@@ -6924,7 +6806,7 @@
     </p:spTree>
     <p:extLst>
       <p:ext uri="{BB962C8B-B14F-4D97-AF65-F5344CB8AC3E}">
-        <p14:creationId xmlns:p14="http://schemas.microsoft.com/office/powerpoint/2010/main" val="2185374066"/>
+        <p14:creationId xmlns:p14="http://schemas.microsoft.com/office/powerpoint/2010/main" val="729305646"/>
       </p:ext>
     </p:extLst>
   </p:cSld>
@@ -6977,7 +6859,7 @@
           <a:p>
             <a:r>
               <a:rPr lang="en-US" dirty="0"/>
-              <a:t>What do we need to start using Angular?</a:t>
+              <a:t>Why Angular?</a:t>
             </a:r>
             <a:endParaRPr lang="en-GB" dirty="0"/>
           </a:p>
@@ -7005,26 +6887,45 @@
           <a:lstStyle/>
           <a:p>
             <a:r>
+              <a:rPr lang="en-US" dirty="0"/>
+              <a:t>Single Page Application</a:t>
+            </a:r>
+          </a:p>
+          <a:p>
+            <a:r>
+              <a:rPr lang="en-US" dirty="0"/>
+              <a:t>Component Based</a:t>
+            </a:r>
+          </a:p>
+          <a:p>
+            <a:r>
+              <a:rPr lang="en-US" dirty="0"/>
+              <a:t>Encourages use of patterns</a:t>
+            </a:r>
+          </a:p>
+          <a:p>
+            <a:r>
+              <a:rPr lang="en-US" dirty="0"/>
+              <a:t>Uses interfaces and dependency injection</a:t>
+            </a:r>
+          </a:p>
+          <a:p>
+            <a:r>
+              <a:rPr lang="en-US" dirty="0"/>
+              <a:t>Code is well </a:t>
+            </a:r>
+            <a:r>
               <a:rPr lang="en-US" dirty="0" err="1"/>
-              <a:t>NodeJs</a:t>
-            </a:r>
-            <a:r>
-              <a:rPr lang="en-US" dirty="0"/>
-              <a:t> which can be downloaded from nodejs.org</a:t>
-            </a:r>
-          </a:p>
-          <a:p>
-            <a:r>
-              <a:rPr lang="en-US" dirty="0"/>
-              <a:t>Angular\CLI which can be downloaded using Node Package Manager (NPM)</a:t>
-            </a:r>
+              <a:t>organised</a:t>
+            </a:r>
+            <a:endParaRPr lang="en-US" dirty="0"/>
           </a:p>
         </p:txBody>
       </p:sp>
     </p:spTree>
     <p:extLst>
       <p:ext uri="{BB962C8B-B14F-4D97-AF65-F5344CB8AC3E}">
-        <p14:creationId xmlns:p14="http://schemas.microsoft.com/office/powerpoint/2010/main" val="239508806"/>
+        <p14:creationId xmlns:p14="http://schemas.microsoft.com/office/powerpoint/2010/main" val="1710202916"/>
       </p:ext>
     </p:extLst>
   </p:cSld>
@@ -7077,7 +6978,7 @@
           <a:p>
             <a:r>
               <a:rPr lang="en-US" dirty="0"/>
-              <a:t>What do we need to start using Angular?</a:t>
+              <a:t>Why Angular?</a:t>
             </a:r>
             <a:endParaRPr lang="en-GB" dirty="0"/>
           </a:p>
@@ -7105,24 +7006,38 @@
           <a:lstStyle/>
           <a:p>
             <a:r>
-              <a:rPr lang="en-US" dirty="0" err="1"/>
-              <a:t>NodeJs</a:t>
-            </a:r>
-            <a:r>
-              <a:rPr lang="en-US" dirty="0"/>
-              <a:t> which can be downloaded from nodejs.org</a:t>
-            </a:r>
-          </a:p>
-          <a:p>
-            <a:r>
-              <a:rPr lang="en-US" dirty="0"/>
-              <a:t>Angular\CLI which can be downloaded using Node Package Manager (NPM)</a:t>
-            </a:r>
-          </a:p>
-          <a:p>
-            <a:r>
-              <a:rPr lang="en-US" dirty="0"/>
-              <a:t>VS Code</a:t>
+              <a:rPr lang="en-US" dirty="0"/>
+              <a:t>Single Page Application</a:t>
+            </a:r>
+          </a:p>
+          <a:p>
+            <a:r>
+              <a:rPr lang="en-US" dirty="0"/>
+              <a:t>Component Based</a:t>
+            </a:r>
+          </a:p>
+          <a:p>
+            <a:r>
+              <a:rPr lang="en-US" dirty="0"/>
+              <a:t>Encourages use of patterns</a:t>
+            </a:r>
+          </a:p>
+          <a:p>
+            <a:r>
+              <a:rPr lang="en-US" dirty="0"/>
+              <a:t>Uses interfaces and dependency injection</a:t>
+            </a:r>
+          </a:p>
+          <a:p>
+            <a:r>
+              <a:rPr lang="en-US" dirty="0"/>
+              <a:t>Code is well organized</a:t>
+            </a:r>
+          </a:p>
+          <a:p>
+            <a:r>
+              <a:rPr lang="en-US" dirty="0"/>
+              <a:t>Built-in bundling and minification</a:t>
             </a:r>
           </a:p>
         </p:txBody>
@@ -7130,7 +7045,7 @@
     </p:spTree>
     <p:extLst>
       <p:ext uri="{BB962C8B-B14F-4D97-AF65-F5344CB8AC3E}">
-        <p14:creationId xmlns:p14="http://schemas.microsoft.com/office/powerpoint/2010/main" val="3833539852"/>
+        <p14:creationId xmlns:p14="http://schemas.microsoft.com/office/powerpoint/2010/main" val="574221577"/>
       </p:ext>
     </p:extLst>
   </p:cSld>
@@ -7183,7 +7098,7 @@
           <a:p>
             <a:r>
               <a:rPr lang="en-US" dirty="0"/>
-              <a:t>Creating an Angular application</a:t>
+              <a:t>Why Angular?</a:t>
             </a:r>
             <a:endParaRPr lang="en-GB" dirty="0"/>
           </a:p>
@@ -7212,15 +7127,43 @@
           <a:p>
             <a:r>
               <a:rPr lang="en-US" dirty="0"/>
-              <a:t>Download and install </a:t>
-            </a:r>
-            <a:r>
-              <a:rPr lang="en-US" dirty="0" err="1"/>
-              <a:t>NodeJs</a:t>
-            </a:r>
-            <a:r>
-              <a:rPr lang="en-US" dirty="0"/>
-              <a:t> if not already done, you may want to download the latest version if it has been a while since you installed it.</a:t>
+              <a:t>Single Page Application</a:t>
+            </a:r>
+          </a:p>
+          <a:p>
+            <a:r>
+              <a:rPr lang="en-US" dirty="0"/>
+              <a:t>Component Based</a:t>
+            </a:r>
+          </a:p>
+          <a:p>
+            <a:r>
+              <a:rPr lang="en-US" dirty="0"/>
+              <a:t>Encourages use of patterns</a:t>
+            </a:r>
+          </a:p>
+          <a:p>
+            <a:r>
+              <a:rPr lang="en-US" dirty="0"/>
+              <a:t>Uses interfaces and dependency injection</a:t>
+            </a:r>
+          </a:p>
+          <a:p>
+            <a:r>
+              <a:rPr lang="en-US" dirty="0"/>
+              <a:t>Code is well organized</a:t>
+            </a:r>
+          </a:p>
+          <a:p>
+            <a:r>
+              <a:rPr lang="en-US" dirty="0"/>
+              <a:t>Built-in bundling and minification</a:t>
+            </a:r>
+          </a:p>
+          <a:p>
+            <a:r>
+              <a:rPr lang="en-US" dirty="0"/>
+              <a:t>Uses Typescript and CSS pre-compilers (SASS/LESS) out of the box.</a:t>
             </a:r>
           </a:p>
         </p:txBody>
@@ -7228,7 +7171,7 @@
     </p:spTree>
     <p:extLst>
       <p:ext uri="{BB962C8B-B14F-4D97-AF65-F5344CB8AC3E}">
-        <p14:creationId xmlns:p14="http://schemas.microsoft.com/office/powerpoint/2010/main" val="49239713"/>
+        <p14:creationId xmlns:p14="http://schemas.microsoft.com/office/powerpoint/2010/main" val="1660693393"/>
       </p:ext>
     </p:extLst>
   </p:cSld>
@@ -7274,14 +7217,19 @@
             <p:ph type="title"/>
           </p:nvPr>
         </p:nvSpPr>
-        <p:spPr/>
-        <p:txBody>
-          <a:bodyPr/>
-          <a:lstStyle/>
-          <a:p>
-            <a:r>
-              <a:rPr lang="en-US" dirty="0"/>
-              <a:t>What is Angular?</a:t>
+        <p:spPr>
+          <a:xfrm>
+            <a:off x="1103312" y="337307"/>
+            <a:ext cx="9404723" cy="1400530"/>
+          </a:xfrm>
+        </p:spPr>
+        <p:txBody>
+          <a:bodyPr/>
+          <a:lstStyle/>
+          <a:p>
+            <a:r>
+              <a:rPr lang="en-US" dirty="0"/>
+              <a:t>Angular</a:t>
             </a:r>
             <a:endParaRPr lang="en-GB" dirty="0"/>
           </a:p>
@@ -7310,15 +7258,7 @@
           <a:p>
             <a:r>
               <a:rPr lang="en-US" dirty="0"/>
-              <a:t>Angular is a </a:t>
-            </a:r>
-            <a:r>
-              <a:rPr lang="en-US" dirty="0" err="1"/>
-              <a:t>Javascript</a:t>
-            </a:r>
-            <a:r>
-              <a:rPr lang="en-US" dirty="0"/>
-              <a:t> framework</a:t>
+              <a:t>What is Angular?</a:t>
             </a:r>
           </a:p>
         </p:txBody>
@@ -7379,7 +7319,7 @@
           <a:p>
             <a:r>
               <a:rPr lang="en-US" dirty="0"/>
-              <a:t>Creating an Angular application</a:t>
+              <a:t>Why Angular?</a:t>
             </a:r>
             <a:endParaRPr lang="en-GB" dirty="0"/>
           </a:p>
@@ -7408,21 +7348,57 @@
           <a:p>
             <a:r>
               <a:rPr lang="en-US" dirty="0"/>
-              <a:t>Download and install </a:t>
+              <a:t>Single Page Application</a:t>
+            </a:r>
+          </a:p>
+          <a:p>
+            <a:r>
+              <a:rPr lang="en-US" dirty="0"/>
+              <a:t>Component Based</a:t>
+            </a:r>
+          </a:p>
+          <a:p>
+            <a:r>
+              <a:rPr lang="en-US" dirty="0"/>
+              <a:t>Encourages use of patterns</a:t>
+            </a:r>
+          </a:p>
+          <a:p>
+            <a:r>
+              <a:rPr lang="en-US" dirty="0"/>
+              <a:t>Uses interfaces and dependency injection</a:t>
+            </a:r>
+          </a:p>
+          <a:p>
+            <a:r>
+              <a:rPr lang="en-US" dirty="0"/>
+              <a:t>Code is well organized</a:t>
+            </a:r>
+          </a:p>
+          <a:p>
+            <a:r>
+              <a:rPr lang="en-US" dirty="0"/>
+              <a:t>Built-in bundling and minification</a:t>
+            </a:r>
+          </a:p>
+          <a:p>
+            <a:r>
+              <a:rPr lang="en-US" dirty="0"/>
+              <a:t>Uses Typescript and CSS pre-compilers (SASS/LESS) out of the box.</a:t>
+            </a:r>
+          </a:p>
+          <a:p>
+            <a:r>
+              <a:rPr lang="en-US" dirty="0"/>
+              <a:t>Reporting section of Darwin/</a:t>
             </a:r>
             <a:r>
               <a:rPr lang="en-US" dirty="0" err="1"/>
-              <a:t>NodeJs</a:t>
-            </a:r>
-            <a:r>
-              <a:rPr lang="en-US" dirty="0"/>
-              <a:t> if not already done, you may want to download the latest version if it has been a while since you installed it.</a:t>
-            </a:r>
-          </a:p>
-          <a:p>
-            <a:r>
-              <a:rPr lang="en-US" dirty="0"/>
-              <a:t>Open VS Code and navigate to a new empty folder</a:t>
+              <a:t>eServices</a:t>
+            </a:r>
+            <a:r>
+              <a:rPr lang="en-US" dirty="0"/>
+              <a:t> written in Angular.</a:t>
             </a:r>
           </a:p>
         </p:txBody>
@@ -7430,7 +7406,7 @@
     </p:spTree>
     <p:extLst>
       <p:ext uri="{BB962C8B-B14F-4D97-AF65-F5344CB8AC3E}">
-        <p14:creationId xmlns:p14="http://schemas.microsoft.com/office/powerpoint/2010/main" val="2029064754"/>
+        <p14:creationId xmlns:p14="http://schemas.microsoft.com/office/powerpoint/2010/main" val="608377538"/>
       </p:ext>
     </p:extLst>
   </p:cSld>
@@ -7483,6 +7459,598 @@
           <a:p>
             <a:r>
               <a:rPr lang="en-US" dirty="0"/>
+              <a:t>What do we need to start using Angular?</a:t>
+            </a:r>
+            <a:endParaRPr lang="en-GB" dirty="0"/>
+          </a:p>
+        </p:txBody>
+      </p:sp>
+      <p:sp>
+        <p:nvSpPr>
+          <p:cNvPr id="3" name="Content Placeholder 2">
+            <a:extLst>
+              <a:ext uri="{FF2B5EF4-FFF2-40B4-BE49-F238E27FC236}">
+                <a16:creationId xmlns:a16="http://schemas.microsoft.com/office/drawing/2014/main" id="{687CE64E-9E7F-4B6F-8310-FFD720CFB7CE}"/>
+              </a:ext>
+            </a:extLst>
+          </p:cNvPr>
+          <p:cNvSpPr>
+            <a:spLocks noGrp="1"/>
+          </p:cNvSpPr>
+          <p:nvPr>
+            <p:ph idx="1"/>
+          </p:nvPr>
+        </p:nvSpPr>
+        <p:spPr/>
+        <p:txBody>
+          <a:bodyPr/>
+          <a:lstStyle/>
+          <a:p>
+            <a:pPr marL="0" indent="0">
+              <a:buNone/>
+            </a:pPr>
+            <a:endParaRPr lang="en-US" dirty="0"/>
+          </a:p>
+        </p:txBody>
+      </p:sp>
+    </p:spTree>
+    <p:extLst>
+      <p:ext uri="{BB962C8B-B14F-4D97-AF65-F5344CB8AC3E}">
+        <p14:creationId xmlns:p14="http://schemas.microsoft.com/office/powerpoint/2010/main" val="1335752627"/>
+      </p:ext>
+    </p:extLst>
+  </p:cSld>
+  <p:clrMapOvr>
+    <a:masterClrMapping/>
+  </p:clrMapOvr>
+  <p:transition spd="slow">
+    <p:wipe/>
+  </p:transition>
+</p:sld>
+</file>
+
+<file path=ppt/slides/slide22.xml><?xml version="1.0" encoding="utf-8"?>
+<p:sld xmlns:a="http://schemas.openxmlformats.org/drawingml/2006/main" xmlns:r="http://schemas.openxmlformats.org/officeDocument/2006/relationships" xmlns:p="http://schemas.openxmlformats.org/presentationml/2006/main">
+  <p:cSld>
+    <p:spTree>
+      <p:nvGrpSpPr>
+        <p:cNvPr id="1" name=""/>
+        <p:cNvGrpSpPr/>
+        <p:nvPr/>
+      </p:nvGrpSpPr>
+      <p:grpSpPr>
+        <a:xfrm>
+          <a:off x="0" y="0"/>
+          <a:ext cx="0" cy="0"/>
+          <a:chOff x="0" y="0"/>
+          <a:chExt cx="0" cy="0"/>
+        </a:xfrm>
+      </p:grpSpPr>
+      <p:sp>
+        <p:nvSpPr>
+          <p:cNvPr id="2" name="Title 1">
+            <a:extLst>
+              <a:ext uri="{FF2B5EF4-FFF2-40B4-BE49-F238E27FC236}">
+                <a16:creationId xmlns:a16="http://schemas.microsoft.com/office/drawing/2014/main" id="{48750DE6-170F-4F5C-8CAC-7A5F9E5EF9D0}"/>
+              </a:ext>
+            </a:extLst>
+          </p:cNvPr>
+          <p:cNvSpPr>
+            <a:spLocks noGrp="1"/>
+          </p:cNvSpPr>
+          <p:nvPr>
+            <p:ph type="title"/>
+          </p:nvPr>
+        </p:nvSpPr>
+        <p:spPr/>
+        <p:txBody>
+          <a:bodyPr/>
+          <a:lstStyle/>
+          <a:p>
+            <a:r>
+              <a:rPr lang="en-US" dirty="0"/>
+              <a:t>What do we need to start using Angular?</a:t>
+            </a:r>
+            <a:endParaRPr lang="en-GB" dirty="0"/>
+          </a:p>
+        </p:txBody>
+      </p:sp>
+      <p:sp>
+        <p:nvSpPr>
+          <p:cNvPr id="3" name="Content Placeholder 2">
+            <a:extLst>
+              <a:ext uri="{FF2B5EF4-FFF2-40B4-BE49-F238E27FC236}">
+                <a16:creationId xmlns:a16="http://schemas.microsoft.com/office/drawing/2014/main" id="{687CE64E-9E7F-4B6F-8310-FFD720CFB7CE}"/>
+              </a:ext>
+            </a:extLst>
+          </p:cNvPr>
+          <p:cNvSpPr>
+            <a:spLocks noGrp="1"/>
+          </p:cNvSpPr>
+          <p:nvPr>
+            <p:ph idx="1"/>
+          </p:nvPr>
+        </p:nvSpPr>
+        <p:spPr/>
+        <p:txBody>
+          <a:bodyPr/>
+          <a:lstStyle/>
+          <a:p>
+            <a:r>
+              <a:rPr lang="en-US" dirty="0" err="1"/>
+              <a:t>NodeJs</a:t>
+            </a:r>
+            <a:r>
+              <a:rPr lang="en-US" dirty="0"/>
+              <a:t> which can be downloaded from nodejs.org</a:t>
+            </a:r>
+          </a:p>
+        </p:txBody>
+      </p:sp>
+    </p:spTree>
+    <p:extLst>
+      <p:ext uri="{BB962C8B-B14F-4D97-AF65-F5344CB8AC3E}">
+        <p14:creationId xmlns:p14="http://schemas.microsoft.com/office/powerpoint/2010/main" val="2185374066"/>
+      </p:ext>
+    </p:extLst>
+  </p:cSld>
+  <p:clrMapOvr>
+    <a:masterClrMapping/>
+  </p:clrMapOvr>
+  <p:transition spd="slow">
+    <p:wipe/>
+  </p:transition>
+</p:sld>
+</file>
+
+<file path=ppt/slides/slide23.xml><?xml version="1.0" encoding="utf-8"?>
+<p:sld xmlns:a="http://schemas.openxmlformats.org/drawingml/2006/main" xmlns:r="http://schemas.openxmlformats.org/officeDocument/2006/relationships" xmlns:p="http://schemas.openxmlformats.org/presentationml/2006/main">
+  <p:cSld>
+    <p:spTree>
+      <p:nvGrpSpPr>
+        <p:cNvPr id="1" name=""/>
+        <p:cNvGrpSpPr/>
+        <p:nvPr/>
+      </p:nvGrpSpPr>
+      <p:grpSpPr>
+        <a:xfrm>
+          <a:off x="0" y="0"/>
+          <a:ext cx="0" cy="0"/>
+          <a:chOff x="0" y="0"/>
+          <a:chExt cx="0" cy="0"/>
+        </a:xfrm>
+      </p:grpSpPr>
+      <p:sp>
+        <p:nvSpPr>
+          <p:cNvPr id="2" name="Title 1">
+            <a:extLst>
+              <a:ext uri="{FF2B5EF4-FFF2-40B4-BE49-F238E27FC236}">
+                <a16:creationId xmlns:a16="http://schemas.microsoft.com/office/drawing/2014/main" id="{48750DE6-170F-4F5C-8CAC-7A5F9E5EF9D0}"/>
+              </a:ext>
+            </a:extLst>
+          </p:cNvPr>
+          <p:cNvSpPr>
+            <a:spLocks noGrp="1"/>
+          </p:cNvSpPr>
+          <p:nvPr>
+            <p:ph type="title"/>
+          </p:nvPr>
+        </p:nvSpPr>
+        <p:spPr/>
+        <p:txBody>
+          <a:bodyPr/>
+          <a:lstStyle/>
+          <a:p>
+            <a:r>
+              <a:rPr lang="en-US" dirty="0"/>
+              <a:t>What do we need to start using Angular?</a:t>
+            </a:r>
+            <a:endParaRPr lang="en-GB" dirty="0"/>
+          </a:p>
+        </p:txBody>
+      </p:sp>
+      <p:sp>
+        <p:nvSpPr>
+          <p:cNvPr id="3" name="Content Placeholder 2">
+            <a:extLst>
+              <a:ext uri="{FF2B5EF4-FFF2-40B4-BE49-F238E27FC236}">
+                <a16:creationId xmlns:a16="http://schemas.microsoft.com/office/drawing/2014/main" id="{687CE64E-9E7F-4B6F-8310-FFD720CFB7CE}"/>
+              </a:ext>
+            </a:extLst>
+          </p:cNvPr>
+          <p:cNvSpPr>
+            <a:spLocks noGrp="1"/>
+          </p:cNvSpPr>
+          <p:nvPr>
+            <p:ph idx="1"/>
+          </p:nvPr>
+        </p:nvSpPr>
+        <p:spPr/>
+        <p:txBody>
+          <a:bodyPr/>
+          <a:lstStyle/>
+          <a:p>
+            <a:r>
+              <a:rPr lang="en-US" dirty="0" err="1"/>
+              <a:t>NodeJs</a:t>
+            </a:r>
+            <a:r>
+              <a:rPr lang="en-US" dirty="0"/>
+              <a:t> which can be downloaded from nodejs.org</a:t>
+            </a:r>
+          </a:p>
+          <a:p>
+            <a:r>
+              <a:rPr lang="en-US" dirty="0"/>
+              <a:t>Angular\CLI which can be downloaded using Node Package Manager (NPM)</a:t>
+            </a:r>
+          </a:p>
+        </p:txBody>
+      </p:sp>
+    </p:spTree>
+    <p:extLst>
+      <p:ext uri="{BB962C8B-B14F-4D97-AF65-F5344CB8AC3E}">
+        <p14:creationId xmlns:p14="http://schemas.microsoft.com/office/powerpoint/2010/main" val="239508806"/>
+      </p:ext>
+    </p:extLst>
+  </p:cSld>
+  <p:clrMapOvr>
+    <a:masterClrMapping/>
+  </p:clrMapOvr>
+  <p:transition spd="slow">
+    <p:wipe/>
+  </p:transition>
+</p:sld>
+</file>
+
+<file path=ppt/slides/slide24.xml><?xml version="1.0" encoding="utf-8"?>
+<p:sld xmlns:a="http://schemas.openxmlformats.org/drawingml/2006/main" xmlns:r="http://schemas.openxmlformats.org/officeDocument/2006/relationships" xmlns:p="http://schemas.openxmlformats.org/presentationml/2006/main">
+  <p:cSld>
+    <p:spTree>
+      <p:nvGrpSpPr>
+        <p:cNvPr id="1" name=""/>
+        <p:cNvGrpSpPr/>
+        <p:nvPr/>
+      </p:nvGrpSpPr>
+      <p:grpSpPr>
+        <a:xfrm>
+          <a:off x="0" y="0"/>
+          <a:ext cx="0" cy="0"/>
+          <a:chOff x="0" y="0"/>
+          <a:chExt cx="0" cy="0"/>
+        </a:xfrm>
+      </p:grpSpPr>
+      <p:sp>
+        <p:nvSpPr>
+          <p:cNvPr id="2" name="Title 1">
+            <a:extLst>
+              <a:ext uri="{FF2B5EF4-FFF2-40B4-BE49-F238E27FC236}">
+                <a16:creationId xmlns:a16="http://schemas.microsoft.com/office/drawing/2014/main" id="{48750DE6-170F-4F5C-8CAC-7A5F9E5EF9D0}"/>
+              </a:ext>
+            </a:extLst>
+          </p:cNvPr>
+          <p:cNvSpPr>
+            <a:spLocks noGrp="1"/>
+          </p:cNvSpPr>
+          <p:nvPr>
+            <p:ph type="title"/>
+          </p:nvPr>
+        </p:nvSpPr>
+        <p:spPr/>
+        <p:txBody>
+          <a:bodyPr/>
+          <a:lstStyle/>
+          <a:p>
+            <a:r>
+              <a:rPr lang="en-US" dirty="0"/>
+              <a:t>What do we need to start using Angular?</a:t>
+            </a:r>
+            <a:endParaRPr lang="en-GB" dirty="0"/>
+          </a:p>
+        </p:txBody>
+      </p:sp>
+      <p:sp>
+        <p:nvSpPr>
+          <p:cNvPr id="3" name="Content Placeholder 2">
+            <a:extLst>
+              <a:ext uri="{FF2B5EF4-FFF2-40B4-BE49-F238E27FC236}">
+                <a16:creationId xmlns:a16="http://schemas.microsoft.com/office/drawing/2014/main" id="{687CE64E-9E7F-4B6F-8310-FFD720CFB7CE}"/>
+              </a:ext>
+            </a:extLst>
+          </p:cNvPr>
+          <p:cNvSpPr>
+            <a:spLocks noGrp="1"/>
+          </p:cNvSpPr>
+          <p:nvPr>
+            <p:ph idx="1"/>
+          </p:nvPr>
+        </p:nvSpPr>
+        <p:spPr/>
+        <p:txBody>
+          <a:bodyPr/>
+          <a:lstStyle/>
+          <a:p>
+            <a:r>
+              <a:rPr lang="en-US" dirty="0" err="1"/>
+              <a:t>NodeJs</a:t>
+            </a:r>
+            <a:r>
+              <a:rPr lang="en-US" dirty="0"/>
+              <a:t> which can be downloaded from nodejs.org</a:t>
+            </a:r>
+          </a:p>
+          <a:p>
+            <a:r>
+              <a:rPr lang="en-US" dirty="0"/>
+              <a:t>Angular\CLI which can be downloaded using Node Package Manager (NPM)</a:t>
+            </a:r>
+          </a:p>
+          <a:p>
+            <a:r>
+              <a:rPr lang="en-US" dirty="0"/>
+              <a:t>VS Code</a:t>
+            </a:r>
+          </a:p>
+        </p:txBody>
+      </p:sp>
+    </p:spTree>
+    <p:extLst>
+      <p:ext uri="{BB962C8B-B14F-4D97-AF65-F5344CB8AC3E}">
+        <p14:creationId xmlns:p14="http://schemas.microsoft.com/office/powerpoint/2010/main" val="3833539852"/>
+      </p:ext>
+    </p:extLst>
+  </p:cSld>
+  <p:clrMapOvr>
+    <a:masterClrMapping/>
+  </p:clrMapOvr>
+  <p:transition spd="slow">
+    <p:wipe/>
+  </p:transition>
+</p:sld>
+</file>
+
+<file path=ppt/slides/slide25.xml><?xml version="1.0" encoding="utf-8"?>
+<p:sld xmlns:a="http://schemas.openxmlformats.org/drawingml/2006/main" xmlns:r="http://schemas.openxmlformats.org/officeDocument/2006/relationships" xmlns:p="http://schemas.openxmlformats.org/presentationml/2006/main">
+  <p:cSld>
+    <p:spTree>
+      <p:nvGrpSpPr>
+        <p:cNvPr id="1" name=""/>
+        <p:cNvGrpSpPr/>
+        <p:nvPr/>
+      </p:nvGrpSpPr>
+      <p:grpSpPr>
+        <a:xfrm>
+          <a:off x="0" y="0"/>
+          <a:ext cx="0" cy="0"/>
+          <a:chOff x="0" y="0"/>
+          <a:chExt cx="0" cy="0"/>
+        </a:xfrm>
+      </p:grpSpPr>
+      <p:sp>
+        <p:nvSpPr>
+          <p:cNvPr id="2" name="Title 1">
+            <a:extLst>
+              <a:ext uri="{FF2B5EF4-FFF2-40B4-BE49-F238E27FC236}">
+                <a16:creationId xmlns:a16="http://schemas.microsoft.com/office/drawing/2014/main" id="{48750DE6-170F-4F5C-8CAC-7A5F9E5EF9D0}"/>
+              </a:ext>
+            </a:extLst>
+          </p:cNvPr>
+          <p:cNvSpPr>
+            <a:spLocks noGrp="1"/>
+          </p:cNvSpPr>
+          <p:nvPr>
+            <p:ph type="title"/>
+          </p:nvPr>
+        </p:nvSpPr>
+        <p:spPr/>
+        <p:txBody>
+          <a:bodyPr/>
+          <a:lstStyle/>
+          <a:p>
+            <a:r>
+              <a:rPr lang="en-US" dirty="0"/>
+              <a:t>Creating an Angular application</a:t>
+            </a:r>
+            <a:endParaRPr lang="en-GB" dirty="0"/>
+          </a:p>
+        </p:txBody>
+      </p:sp>
+      <p:sp>
+        <p:nvSpPr>
+          <p:cNvPr id="3" name="Content Placeholder 2">
+            <a:extLst>
+              <a:ext uri="{FF2B5EF4-FFF2-40B4-BE49-F238E27FC236}">
+                <a16:creationId xmlns:a16="http://schemas.microsoft.com/office/drawing/2014/main" id="{687CE64E-9E7F-4B6F-8310-FFD720CFB7CE}"/>
+              </a:ext>
+            </a:extLst>
+          </p:cNvPr>
+          <p:cNvSpPr>
+            <a:spLocks noGrp="1"/>
+          </p:cNvSpPr>
+          <p:nvPr>
+            <p:ph idx="1"/>
+          </p:nvPr>
+        </p:nvSpPr>
+        <p:spPr/>
+        <p:txBody>
+          <a:bodyPr/>
+          <a:lstStyle/>
+          <a:p>
+            <a:r>
+              <a:rPr lang="en-US" dirty="0"/>
+              <a:t>Download and install </a:t>
+            </a:r>
+            <a:r>
+              <a:rPr lang="en-US" dirty="0" err="1"/>
+              <a:t>NodeJs</a:t>
+            </a:r>
+            <a:r>
+              <a:rPr lang="en-US" dirty="0"/>
+              <a:t> if not already done, you may want to download the latest version if it has been a while since you installed it.</a:t>
+            </a:r>
+          </a:p>
+        </p:txBody>
+      </p:sp>
+    </p:spTree>
+    <p:extLst>
+      <p:ext uri="{BB962C8B-B14F-4D97-AF65-F5344CB8AC3E}">
+        <p14:creationId xmlns:p14="http://schemas.microsoft.com/office/powerpoint/2010/main" val="49239713"/>
+      </p:ext>
+    </p:extLst>
+  </p:cSld>
+  <p:clrMapOvr>
+    <a:masterClrMapping/>
+  </p:clrMapOvr>
+  <p:transition spd="slow">
+    <p:wipe/>
+  </p:transition>
+</p:sld>
+</file>
+
+<file path=ppt/slides/slide26.xml><?xml version="1.0" encoding="utf-8"?>
+<p:sld xmlns:a="http://schemas.openxmlformats.org/drawingml/2006/main" xmlns:r="http://schemas.openxmlformats.org/officeDocument/2006/relationships" xmlns:p="http://schemas.openxmlformats.org/presentationml/2006/main">
+  <p:cSld>
+    <p:spTree>
+      <p:nvGrpSpPr>
+        <p:cNvPr id="1" name=""/>
+        <p:cNvGrpSpPr/>
+        <p:nvPr/>
+      </p:nvGrpSpPr>
+      <p:grpSpPr>
+        <a:xfrm>
+          <a:off x="0" y="0"/>
+          <a:ext cx="0" cy="0"/>
+          <a:chOff x="0" y="0"/>
+          <a:chExt cx="0" cy="0"/>
+        </a:xfrm>
+      </p:grpSpPr>
+      <p:sp>
+        <p:nvSpPr>
+          <p:cNvPr id="2" name="Title 1">
+            <a:extLst>
+              <a:ext uri="{FF2B5EF4-FFF2-40B4-BE49-F238E27FC236}">
+                <a16:creationId xmlns:a16="http://schemas.microsoft.com/office/drawing/2014/main" id="{48750DE6-170F-4F5C-8CAC-7A5F9E5EF9D0}"/>
+              </a:ext>
+            </a:extLst>
+          </p:cNvPr>
+          <p:cNvSpPr>
+            <a:spLocks noGrp="1"/>
+          </p:cNvSpPr>
+          <p:nvPr>
+            <p:ph type="title"/>
+          </p:nvPr>
+        </p:nvSpPr>
+        <p:spPr/>
+        <p:txBody>
+          <a:bodyPr/>
+          <a:lstStyle/>
+          <a:p>
+            <a:r>
+              <a:rPr lang="en-US" dirty="0"/>
+              <a:t>Creating an Angular application</a:t>
+            </a:r>
+            <a:endParaRPr lang="en-GB" dirty="0"/>
+          </a:p>
+        </p:txBody>
+      </p:sp>
+      <p:sp>
+        <p:nvSpPr>
+          <p:cNvPr id="3" name="Content Placeholder 2">
+            <a:extLst>
+              <a:ext uri="{FF2B5EF4-FFF2-40B4-BE49-F238E27FC236}">
+                <a16:creationId xmlns:a16="http://schemas.microsoft.com/office/drawing/2014/main" id="{687CE64E-9E7F-4B6F-8310-FFD720CFB7CE}"/>
+              </a:ext>
+            </a:extLst>
+          </p:cNvPr>
+          <p:cNvSpPr>
+            <a:spLocks noGrp="1"/>
+          </p:cNvSpPr>
+          <p:nvPr>
+            <p:ph idx="1"/>
+          </p:nvPr>
+        </p:nvSpPr>
+        <p:spPr/>
+        <p:txBody>
+          <a:bodyPr/>
+          <a:lstStyle/>
+          <a:p>
+            <a:r>
+              <a:rPr lang="en-US" dirty="0"/>
+              <a:t>Download and install </a:t>
+            </a:r>
+            <a:r>
+              <a:rPr lang="en-US" dirty="0" err="1"/>
+              <a:t>NodeJs</a:t>
+            </a:r>
+            <a:r>
+              <a:rPr lang="en-US" dirty="0"/>
+              <a:t> if not already done, you may want to download the latest version if it has been a while since you installed it.</a:t>
+            </a:r>
+          </a:p>
+          <a:p>
+            <a:r>
+              <a:rPr lang="en-US" dirty="0"/>
+              <a:t>Open VS Code and navigate to a new empty folder</a:t>
+            </a:r>
+          </a:p>
+        </p:txBody>
+      </p:sp>
+    </p:spTree>
+    <p:extLst>
+      <p:ext uri="{BB962C8B-B14F-4D97-AF65-F5344CB8AC3E}">
+        <p14:creationId xmlns:p14="http://schemas.microsoft.com/office/powerpoint/2010/main" val="2029064754"/>
+      </p:ext>
+    </p:extLst>
+  </p:cSld>
+  <p:clrMapOvr>
+    <a:masterClrMapping/>
+  </p:clrMapOvr>
+  <p:transition spd="slow">
+    <p:wipe/>
+  </p:transition>
+</p:sld>
+</file>
+
+<file path=ppt/slides/slide27.xml><?xml version="1.0" encoding="utf-8"?>
+<p:sld xmlns:a="http://schemas.openxmlformats.org/drawingml/2006/main" xmlns:r="http://schemas.openxmlformats.org/officeDocument/2006/relationships" xmlns:p="http://schemas.openxmlformats.org/presentationml/2006/main">
+  <p:cSld>
+    <p:spTree>
+      <p:nvGrpSpPr>
+        <p:cNvPr id="1" name=""/>
+        <p:cNvGrpSpPr/>
+        <p:nvPr/>
+      </p:nvGrpSpPr>
+      <p:grpSpPr>
+        <a:xfrm>
+          <a:off x="0" y="0"/>
+          <a:ext cx="0" cy="0"/>
+          <a:chOff x="0" y="0"/>
+          <a:chExt cx="0" cy="0"/>
+        </a:xfrm>
+      </p:grpSpPr>
+      <p:sp>
+        <p:nvSpPr>
+          <p:cNvPr id="2" name="Title 1">
+            <a:extLst>
+              <a:ext uri="{FF2B5EF4-FFF2-40B4-BE49-F238E27FC236}">
+                <a16:creationId xmlns:a16="http://schemas.microsoft.com/office/drawing/2014/main" id="{48750DE6-170F-4F5C-8CAC-7A5F9E5EF9D0}"/>
+              </a:ext>
+            </a:extLst>
+          </p:cNvPr>
+          <p:cNvSpPr>
+            <a:spLocks noGrp="1"/>
+          </p:cNvSpPr>
+          <p:nvPr>
+            <p:ph type="title"/>
+          </p:nvPr>
+        </p:nvSpPr>
+        <p:spPr/>
+        <p:txBody>
+          <a:bodyPr/>
+          <a:lstStyle/>
+          <a:p>
+            <a:r>
+              <a:rPr lang="en-US" dirty="0"/>
               <a:t>Creating an Angular application</a:t>
             </a:r>
             <a:endParaRPr lang="en-GB" dirty="0"/>
@@ -7553,7 +8121,7 @@
 </p:sld>
 </file>
 
-<file path=ppt/slides/slide22.xml><?xml version="1.0" encoding="utf-8"?>
+<file path=ppt/slides/slide28.xml><?xml version="1.0" encoding="utf-8"?>
 <p:sld xmlns:a="http://schemas.openxmlformats.org/drawingml/2006/main" xmlns:r="http://schemas.openxmlformats.org/officeDocument/2006/relationships" xmlns:p="http://schemas.openxmlformats.org/presentationml/2006/main">
   <p:cSld>
     <p:spTree>
@@ -7715,14 +8283,19 @@
             <p:ph type="title"/>
           </p:nvPr>
         </p:nvSpPr>
-        <p:spPr/>
-        <p:txBody>
-          <a:bodyPr/>
-          <a:lstStyle/>
-          <a:p>
-            <a:r>
-              <a:rPr lang="en-US" dirty="0"/>
-              <a:t>What is Angular?</a:t>
+        <p:spPr>
+          <a:xfrm>
+            <a:off x="1103312" y="337307"/>
+            <a:ext cx="9404723" cy="1400530"/>
+          </a:xfrm>
+        </p:spPr>
+        <p:txBody>
+          <a:bodyPr/>
+          <a:lstStyle/>
+          <a:p>
+            <a:r>
+              <a:rPr lang="en-US" dirty="0"/>
+              <a:t>Angular</a:t>
             </a:r>
             <a:endParaRPr lang="en-GB" dirty="0"/>
           </a:p>
@@ -7751,30 +8324,21 @@
           <a:p>
             <a:r>
               <a:rPr lang="en-US" dirty="0"/>
-              <a:t>Angular is a </a:t>
-            </a:r>
-            <a:r>
-              <a:rPr lang="en-US" dirty="0" err="1"/>
-              <a:t>Javascript</a:t>
-            </a:r>
-            <a:r>
-              <a:rPr lang="en-US" dirty="0"/>
-              <a:t> framework</a:t>
-            </a:r>
-          </a:p>
-          <a:p>
-            <a:r>
-              <a:rPr lang="en-US" dirty="0"/>
-              <a:t>First appeared in October 2010</a:t>
-            </a:r>
-            <a:endParaRPr lang="en-GB" dirty="0"/>
+              <a:t>What is Angular?</a:t>
+            </a:r>
+          </a:p>
+          <a:p>
+            <a:r>
+              <a:rPr lang="en-US" dirty="0"/>
+              <a:t>How to set up your environment</a:t>
+            </a:r>
           </a:p>
         </p:txBody>
       </p:sp>
     </p:spTree>
     <p:extLst>
       <p:ext uri="{BB962C8B-B14F-4D97-AF65-F5344CB8AC3E}">
-        <p14:creationId xmlns:p14="http://schemas.microsoft.com/office/powerpoint/2010/main" val="638976508"/>
+        <p14:creationId xmlns:p14="http://schemas.microsoft.com/office/powerpoint/2010/main" val="2827081265"/>
       </p:ext>
     </p:extLst>
   </p:cSld>
@@ -7820,14 +8384,19 @@
             <p:ph type="title"/>
           </p:nvPr>
         </p:nvSpPr>
-        <p:spPr/>
-        <p:txBody>
-          <a:bodyPr/>
-          <a:lstStyle/>
-          <a:p>
-            <a:r>
-              <a:rPr lang="en-US" dirty="0"/>
-              <a:t>What is Angular?</a:t>
+        <p:spPr>
+          <a:xfrm>
+            <a:off x="1103312" y="337307"/>
+            <a:ext cx="9404723" cy="1400530"/>
+          </a:xfrm>
+        </p:spPr>
+        <p:txBody>
+          <a:bodyPr/>
+          <a:lstStyle/>
+          <a:p>
+            <a:r>
+              <a:rPr lang="en-US" dirty="0"/>
+              <a:t>Angular</a:t>
             </a:r>
             <a:endParaRPr lang="en-GB" dirty="0"/>
           </a:p>
@@ -7856,36 +8425,27 @@
           <a:p>
             <a:r>
               <a:rPr lang="en-US" dirty="0"/>
-              <a:t>Angular is a </a:t>
-            </a:r>
-            <a:r>
-              <a:rPr lang="en-US" dirty="0" err="1"/>
-              <a:t>Javascript</a:t>
-            </a:r>
-            <a:r>
-              <a:rPr lang="en-US" dirty="0"/>
-              <a:t> framework</a:t>
-            </a:r>
-          </a:p>
-          <a:p>
-            <a:r>
-              <a:rPr lang="en-US" dirty="0"/>
-              <a:t>First appeared in October 2010</a:t>
-            </a:r>
-          </a:p>
-          <a:p>
-            <a:r>
-              <a:rPr lang="en-US" dirty="0"/>
-              <a:t>Angular 2 launched in September 2016</a:t>
-            </a:r>
-            <a:endParaRPr lang="en-GB" dirty="0"/>
+              <a:t>What is Angular?</a:t>
+            </a:r>
+          </a:p>
+          <a:p>
+            <a:r>
+              <a:rPr lang="en-US" dirty="0"/>
+              <a:t>How to set up your environment</a:t>
+            </a:r>
+          </a:p>
+          <a:p>
+            <a:r>
+              <a:rPr lang="en-US" dirty="0"/>
+              <a:t>Using the Angular CLI</a:t>
+            </a:r>
           </a:p>
         </p:txBody>
       </p:sp>
     </p:spTree>
     <p:extLst>
       <p:ext uri="{BB962C8B-B14F-4D97-AF65-F5344CB8AC3E}">
-        <p14:creationId xmlns:p14="http://schemas.microsoft.com/office/powerpoint/2010/main" val="2847241169"/>
+        <p14:creationId xmlns:p14="http://schemas.microsoft.com/office/powerpoint/2010/main" val="2197524878"/>
       </p:ext>
     </p:extLst>
   </p:cSld>
@@ -7931,14 +8491,19 @@
             <p:ph type="title"/>
           </p:nvPr>
         </p:nvSpPr>
-        <p:spPr/>
-        <p:txBody>
-          <a:bodyPr/>
-          <a:lstStyle/>
-          <a:p>
-            <a:r>
-              <a:rPr lang="en-US" dirty="0"/>
-              <a:t>What is Angular?</a:t>
+        <p:spPr>
+          <a:xfrm>
+            <a:off x="1103312" y="337307"/>
+            <a:ext cx="9404723" cy="1400530"/>
+          </a:xfrm>
+        </p:spPr>
+        <p:txBody>
+          <a:bodyPr/>
+          <a:lstStyle/>
+          <a:p>
+            <a:r>
+              <a:rPr lang="en-US" dirty="0"/>
+              <a:t>Angular</a:t>
             </a:r>
             <a:endParaRPr lang="en-GB" dirty="0"/>
           </a:p>
@@ -7967,42 +8532,33 @@
           <a:p>
             <a:r>
               <a:rPr lang="en-US" dirty="0"/>
-              <a:t>Angular is a </a:t>
-            </a:r>
-            <a:r>
-              <a:rPr lang="en-US" dirty="0" err="1"/>
-              <a:t>Javascript</a:t>
-            </a:r>
-            <a:r>
-              <a:rPr lang="en-US" dirty="0"/>
-              <a:t> framework</a:t>
-            </a:r>
-          </a:p>
-          <a:p>
-            <a:r>
-              <a:rPr lang="en-US" dirty="0"/>
-              <a:t>First appeared in October 2010</a:t>
-            </a:r>
-          </a:p>
-          <a:p>
-            <a:r>
-              <a:rPr lang="en-US" dirty="0"/>
-              <a:t>Angular 2 launched in September 2016</a:t>
-            </a:r>
-          </a:p>
-          <a:p>
-            <a:r>
-              <a:rPr lang="en-US" dirty="0"/>
-              <a:t>AngularJS and Angular exist side by side</a:t>
-            </a:r>
-            <a:endParaRPr lang="en-GB" dirty="0"/>
+              <a:t>What is Angular?</a:t>
+            </a:r>
+          </a:p>
+          <a:p>
+            <a:r>
+              <a:rPr lang="en-US" dirty="0"/>
+              <a:t>How to set up your environment</a:t>
+            </a:r>
+          </a:p>
+          <a:p>
+            <a:r>
+              <a:rPr lang="en-US" dirty="0"/>
+              <a:t>Using the Angular CLI</a:t>
+            </a:r>
+          </a:p>
+          <a:p>
+            <a:r>
+              <a:rPr lang="en-US" dirty="0"/>
+              <a:t>Routing</a:t>
+            </a:r>
           </a:p>
         </p:txBody>
       </p:sp>
     </p:spTree>
     <p:extLst>
       <p:ext uri="{BB962C8B-B14F-4D97-AF65-F5344CB8AC3E}">
-        <p14:creationId xmlns:p14="http://schemas.microsoft.com/office/powerpoint/2010/main" val="1366644391"/>
+        <p14:creationId xmlns:p14="http://schemas.microsoft.com/office/powerpoint/2010/main" val="3626206077"/>
       </p:ext>
     </p:extLst>
   </p:cSld>
@@ -8048,14 +8604,19 @@
             <p:ph type="title"/>
           </p:nvPr>
         </p:nvSpPr>
-        <p:spPr/>
-        <p:txBody>
-          <a:bodyPr/>
-          <a:lstStyle/>
-          <a:p>
-            <a:r>
-              <a:rPr lang="en-US" dirty="0"/>
-              <a:t>Why Angular?</a:t>
+        <p:spPr>
+          <a:xfrm>
+            <a:off x="1103312" y="337307"/>
+            <a:ext cx="9404723" cy="1400530"/>
+          </a:xfrm>
+        </p:spPr>
+        <p:txBody>
+          <a:bodyPr/>
+          <a:lstStyle/>
+          <a:p>
+            <a:r>
+              <a:rPr lang="en-US" dirty="0"/>
+              <a:t>Angular</a:t>
             </a:r>
             <a:endParaRPr lang="en-GB" dirty="0"/>
           </a:p>
@@ -8082,17 +8643,41 @@
           <a:bodyPr/>
           <a:lstStyle/>
           <a:p>
-            <a:pPr marL="0" indent="0">
-              <a:buNone/>
-            </a:pPr>
-            <a:endParaRPr lang="en-US" dirty="0"/>
+            <a:r>
+              <a:rPr lang="en-US" dirty="0"/>
+              <a:t>What is Angular?</a:t>
+            </a:r>
+          </a:p>
+          <a:p>
+            <a:r>
+              <a:rPr lang="en-US" dirty="0"/>
+              <a:t>How to set up your environment</a:t>
+            </a:r>
+          </a:p>
+          <a:p>
+            <a:r>
+              <a:rPr lang="en-US" dirty="0"/>
+              <a:t>Using the Angular CLI</a:t>
+            </a:r>
+          </a:p>
+          <a:p>
+            <a:r>
+              <a:rPr lang="en-US" dirty="0"/>
+              <a:t>Routing</a:t>
+            </a:r>
+          </a:p>
+          <a:p>
+            <a:r>
+              <a:rPr lang="en-US" dirty="0"/>
+              <a:t>Dependency Injection</a:t>
+            </a:r>
           </a:p>
         </p:txBody>
       </p:sp>
     </p:spTree>
     <p:extLst>
       <p:ext uri="{BB962C8B-B14F-4D97-AF65-F5344CB8AC3E}">
-        <p14:creationId xmlns:p14="http://schemas.microsoft.com/office/powerpoint/2010/main" val="3842485195"/>
+        <p14:creationId xmlns:p14="http://schemas.microsoft.com/office/powerpoint/2010/main" val="3913544135"/>
       </p:ext>
     </p:extLst>
   </p:cSld>
@@ -8138,14 +8723,19 @@
             <p:ph type="title"/>
           </p:nvPr>
         </p:nvSpPr>
-        <p:spPr/>
-        <p:txBody>
-          <a:bodyPr/>
-          <a:lstStyle/>
-          <a:p>
-            <a:r>
-              <a:rPr lang="en-US" dirty="0"/>
-              <a:t>Why Angular?</a:t>
+        <p:spPr>
+          <a:xfrm>
+            <a:off x="1103312" y="337307"/>
+            <a:ext cx="9404723" cy="1400530"/>
+          </a:xfrm>
+        </p:spPr>
+        <p:txBody>
+          <a:bodyPr/>
+          <a:lstStyle/>
+          <a:p>
+            <a:r>
+              <a:rPr lang="en-US" dirty="0"/>
+              <a:t>Angular</a:t>
             </a:r>
             <a:endParaRPr lang="en-GB" dirty="0"/>
           </a:p>
@@ -8174,15 +8764,46 @@
           <a:p>
             <a:r>
               <a:rPr lang="en-US" dirty="0"/>
-              <a:t>Single Page Application</a:t>
-            </a:r>
+              <a:t>What is Angular?</a:t>
+            </a:r>
+          </a:p>
+          <a:p>
+            <a:r>
+              <a:rPr lang="en-US" dirty="0"/>
+              <a:t>How to set up your environment</a:t>
+            </a:r>
+          </a:p>
+          <a:p>
+            <a:r>
+              <a:rPr lang="en-US" dirty="0"/>
+              <a:t>Using the Angular CLI</a:t>
+            </a:r>
+          </a:p>
+          <a:p>
+            <a:r>
+              <a:rPr lang="en-US" dirty="0"/>
+              <a:t>Routing</a:t>
+            </a:r>
+          </a:p>
+          <a:p>
+            <a:r>
+              <a:rPr lang="en-US" dirty="0"/>
+              <a:t>Dependency Injection</a:t>
+            </a:r>
+          </a:p>
+          <a:p>
+            <a:r>
+              <a:rPr lang="en-US"/>
+              <a:t>$Http</a:t>
+            </a:r>
+            <a:endParaRPr lang="en-US" dirty="0"/>
           </a:p>
         </p:txBody>
       </p:sp>
     </p:spTree>
     <p:extLst>
       <p:ext uri="{BB962C8B-B14F-4D97-AF65-F5344CB8AC3E}">
-        <p14:creationId xmlns:p14="http://schemas.microsoft.com/office/powerpoint/2010/main" val="469729035"/>
+        <p14:creationId xmlns:p14="http://schemas.microsoft.com/office/powerpoint/2010/main" val="234249812"/>
       </p:ext>
     </p:extLst>
   </p:cSld>
@@ -8235,7 +8856,7 @@
           <a:p>
             <a:r>
               <a:rPr lang="en-US" dirty="0"/>
-              <a:t>Why Angular?</a:t>
+              <a:t>What is Angular?</a:t>
             </a:r>
             <a:endParaRPr lang="en-GB" dirty="0"/>
           </a:p>
@@ -8264,13 +8885,15 @@
           <a:p>
             <a:r>
               <a:rPr lang="en-US" dirty="0"/>
-              <a:t>Single Page Application</a:t>
-            </a:r>
-          </a:p>
-          <a:p>
-            <a:r>
-              <a:rPr lang="en-US" dirty="0"/>
-              <a:t>Component Based</a:t>
+              <a:t>Angular is a </a:t>
+            </a:r>
+            <a:r>
+              <a:rPr lang="en-US" dirty="0" err="1"/>
+              <a:t>Javascript</a:t>
+            </a:r>
+            <a:r>
+              <a:rPr lang="en-US" dirty="0"/>
+              <a:t> framework</a:t>
             </a:r>
           </a:p>
         </p:txBody>
@@ -8278,7 +8901,7 @@
     </p:spTree>
     <p:extLst>
       <p:ext uri="{BB962C8B-B14F-4D97-AF65-F5344CB8AC3E}">
-        <p14:creationId xmlns:p14="http://schemas.microsoft.com/office/powerpoint/2010/main" val="864710568"/>
+        <p14:creationId xmlns:p14="http://schemas.microsoft.com/office/powerpoint/2010/main" val="3841256271"/>
       </p:ext>
     </p:extLst>
   </p:cSld>
@@ -8331,7 +8954,7 @@
           <a:p>
             <a:r>
               <a:rPr lang="en-US" dirty="0"/>
-              <a:t>Why Angular?</a:t>
+              <a:t>What is Angular?</a:t>
             </a:r>
             <a:endParaRPr lang="en-GB" dirty="0"/>
           </a:p>
@@ -8360,27 +8983,30 @@
           <a:p>
             <a:r>
               <a:rPr lang="en-US" dirty="0"/>
-              <a:t>Single Page Application</a:t>
-            </a:r>
-          </a:p>
-          <a:p>
-            <a:r>
-              <a:rPr lang="en-US" dirty="0"/>
-              <a:t>Component Based</a:t>
-            </a:r>
-          </a:p>
-          <a:p>
-            <a:r>
-              <a:rPr lang="en-US" dirty="0"/>
-              <a:t>Encourages use of patterns</a:t>
-            </a:r>
+              <a:t>Angular is a </a:t>
+            </a:r>
+            <a:r>
+              <a:rPr lang="en-US" dirty="0" err="1"/>
+              <a:t>Javascript</a:t>
+            </a:r>
+            <a:r>
+              <a:rPr lang="en-US" dirty="0"/>
+              <a:t> framework</a:t>
+            </a:r>
+          </a:p>
+          <a:p>
+            <a:r>
+              <a:rPr lang="en-US" dirty="0"/>
+              <a:t>First appeared in October 2010</a:t>
+            </a:r>
+            <a:endParaRPr lang="en-GB" dirty="0"/>
           </a:p>
         </p:txBody>
       </p:sp>
     </p:spTree>
     <p:extLst>
       <p:ext uri="{BB962C8B-B14F-4D97-AF65-F5344CB8AC3E}">
-        <p14:creationId xmlns:p14="http://schemas.microsoft.com/office/powerpoint/2010/main" val="1372365167"/>
+        <p14:creationId xmlns:p14="http://schemas.microsoft.com/office/powerpoint/2010/main" val="638976508"/>
       </p:ext>
     </p:extLst>
   </p:cSld>

--- a/Angular.pptx
+++ b/Angular.pptx
@@ -7,26 +7,32 @@
   <p:sldIdLst>
     <p:sldId id="256" r:id="rId2"/>
     <p:sldId id="257" r:id="rId3"/>
-    <p:sldId id="258" r:id="rId4"/>
-    <p:sldId id="259" r:id="rId5"/>
-    <p:sldId id="260" r:id="rId6"/>
-    <p:sldId id="261" r:id="rId7"/>
-    <p:sldId id="269" r:id="rId8"/>
-    <p:sldId id="262" r:id="rId9"/>
-    <p:sldId id="263" r:id="rId10"/>
-    <p:sldId id="264" r:id="rId11"/>
-    <p:sldId id="265" r:id="rId12"/>
-    <p:sldId id="266" r:id="rId13"/>
-    <p:sldId id="267" r:id="rId14"/>
-    <p:sldId id="268" r:id="rId15"/>
-    <p:sldId id="270" r:id="rId16"/>
-    <p:sldId id="271" r:id="rId17"/>
-    <p:sldId id="272" r:id="rId18"/>
-    <p:sldId id="274" r:id="rId19"/>
-    <p:sldId id="273" r:id="rId20"/>
-    <p:sldId id="275" r:id="rId21"/>
-    <p:sldId id="276" r:id="rId22"/>
-    <p:sldId id="277" r:id="rId23"/>
+    <p:sldId id="280" r:id="rId4"/>
+    <p:sldId id="281" r:id="rId5"/>
+    <p:sldId id="282" r:id="rId6"/>
+    <p:sldId id="283" r:id="rId7"/>
+    <p:sldId id="284" r:id="rId8"/>
+    <p:sldId id="279" r:id="rId9"/>
+    <p:sldId id="258" r:id="rId10"/>
+    <p:sldId id="259" r:id="rId11"/>
+    <p:sldId id="260" r:id="rId12"/>
+    <p:sldId id="261" r:id="rId13"/>
+    <p:sldId id="269" r:id="rId14"/>
+    <p:sldId id="262" r:id="rId15"/>
+    <p:sldId id="263" r:id="rId16"/>
+    <p:sldId id="264" r:id="rId17"/>
+    <p:sldId id="265" r:id="rId18"/>
+    <p:sldId id="266" r:id="rId19"/>
+    <p:sldId id="267" r:id="rId20"/>
+    <p:sldId id="268" r:id="rId21"/>
+    <p:sldId id="270" r:id="rId22"/>
+    <p:sldId id="271" r:id="rId23"/>
+    <p:sldId id="272" r:id="rId24"/>
+    <p:sldId id="274" r:id="rId25"/>
+    <p:sldId id="273" r:id="rId26"/>
+    <p:sldId id="275" r:id="rId27"/>
+    <p:sldId id="276" r:id="rId28"/>
+    <p:sldId id="277" r:id="rId29"/>
   </p:sldIdLst>
   <p:sldSz cx="12192000" cy="6858000"/>
   <p:notesSz cx="6858000" cy="9144000"/>
@@ -126,52 +132,6 @@
     </a:lvl9pPr>
   </p:defaultTextStyle>
   <p:extLst>
-    <p:ext uri="{521415D9-36F7-43E2-AB2F-B90AF26B5E84}">
-      <p14:sectionLst xmlns:p14="http://schemas.microsoft.com/office/powerpoint/2010/main">
-        <p14:section name="Default Section" id="{1F70CE7F-C83D-46C1-A0D2-8367E426BCDD}">
-          <p14:sldIdLst>
-            <p14:sldId id="256"/>
-          </p14:sldIdLst>
-        </p14:section>
-        <p14:section name="Untitled Section" id="{FD22406C-C1DA-42E4-A5FD-F143D9AF627C}">
-          <p14:sldIdLst>
-            <p14:sldId id="257"/>
-          </p14:sldIdLst>
-        </p14:section>
-        <p14:section name="Untitled Section" id="{01420AB6-C7D5-4A09-A104-0C05F7934029}">
-          <p14:sldIdLst>
-            <p14:sldId id="258"/>
-          </p14:sldIdLst>
-        </p14:section>
-        <p14:section name="Untitled Section" id="{387D3588-9994-4283-9DF2-016D7724E649}">
-          <p14:sldIdLst>
-            <p14:sldId id="259"/>
-          </p14:sldIdLst>
-        </p14:section>
-        <p14:section name="Untitled Section" id="{07FAD84A-64C1-412B-9E75-F37ED8034D65}">
-          <p14:sldIdLst>
-            <p14:sldId id="260"/>
-            <p14:sldId id="261"/>
-            <p14:sldId id="269"/>
-            <p14:sldId id="262"/>
-            <p14:sldId id="263"/>
-            <p14:sldId id="264"/>
-            <p14:sldId id="265"/>
-            <p14:sldId id="266"/>
-            <p14:sldId id="267"/>
-            <p14:sldId id="268"/>
-            <p14:sldId id="270"/>
-            <p14:sldId id="271"/>
-            <p14:sldId id="272"/>
-            <p14:sldId id="274"/>
-            <p14:sldId id="273"/>
-            <p14:sldId id="275"/>
-            <p14:sldId id="276"/>
-            <p14:sldId id="277"/>
-          </p14:sldIdLst>
-        </p14:section>
-      </p14:sectionLst>
-    </p:ext>
     <p:ext uri="{EFAFB233-063F-42B5-8137-9DF3F51BA10A}">
       <p15:sldGuideLst xmlns:p15="http://schemas.microsoft.com/office/powerpoint/2012/main"/>
     </p:ext>
@@ -365,7 +325,7 @@
           <a:p>
             <a:fld id="{4AAD347D-5ACD-4C99-B74B-A9C85AD731AF}" type="datetimeFigureOut">
               <a:rPr lang="en-US" dirty="0"/>
-              <a:t>9/9/2019</a:t>
+              <a:t>9/11/2019</a:t>
             </a:fld>
             <a:endParaRPr lang="en-US" dirty="0"/>
           </a:p>
@@ -635,7 +595,7 @@
           <a:p>
             <a:fld id="{4509A250-FF31-4206-8172-F9D3106AACB1}" type="datetimeFigureOut">
               <a:rPr lang="en-US" dirty="0"/>
-              <a:t>9/9/2019</a:t>
+              <a:t>9/11/2019</a:t>
             </a:fld>
             <a:endParaRPr lang="en-US" dirty="0"/>
           </a:p>
@@ -824,7 +784,7 @@
           <a:p>
             <a:fld id="{4509A250-FF31-4206-8172-F9D3106AACB1}" type="datetimeFigureOut">
               <a:rPr lang="en-US" dirty="0"/>
-              <a:t>9/9/2019</a:t>
+              <a:t>9/11/2019</a:t>
             </a:fld>
             <a:endParaRPr lang="en-US" dirty="0"/>
           </a:p>
@@ -1092,7 +1052,7 @@
           <a:p>
             <a:fld id="{4509A250-FF31-4206-8172-F9D3106AACB1}" type="datetimeFigureOut">
               <a:rPr lang="en-US" dirty="0"/>
-              <a:t>9/9/2019</a:t>
+              <a:t>9/11/2019</a:t>
             </a:fld>
             <a:endParaRPr lang="en-US" dirty="0"/>
           </a:p>
@@ -1428,7 +1388,7 @@
           <a:p>
             <a:fld id="{4509A250-FF31-4206-8172-F9D3106AACB1}" type="datetimeFigureOut">
               <a:rPr lang="en-US" dirty="0"/>
-              <a:t>9/9/2019</a:t>
+              <a:t>9/11/2019</a:t>
             </a:fld>
             <a:endParaRPr lang="en-US" dirty="0"/>
           </a:p>
@@ -2046,7 +2006,7 @@
           <a:p>
             <a:fld id="{4509A250-FF31-4206-8172-F9D3106AACB1}" type="datetimeFigureOut">
               <a:rPr lang="en-US" dirty="0"/>
-              <a:t>9/9/2019</a:t>
+              <a:t>9/11/2019</a:t>
             </a:fld>
             <a:endParaRPr lang="en-US" dirty="0"/>
           </a:p>
@@ -2901,7 +2861,7 @@
           <a:p>
             <a:fld id="{4509A250-FF31-4206-8172-F9D3106AACB1}" type="datetimeFigureOut">
               <a:rPr lang="en-US" dirty="0"/>
-              <a:t>9/9/2019</a:t>
+              <a:t>9/11/2019</a:t>
             </a:fld>
             <a:endParaRPr lang="en-US" dirty="0"/>
           </a:p>
@@ -3066,7 +3026,7 @@
           <a:p>
             <a:fld id="{4509A250-FF31-4206-8172-F9D3106AACB1}" type="datetimeFigureOut">
               <a:rPr lang="en-US" dirty="0"/>
-              <a:t>9/9/2019</a:t>
+              <a:t>9/11/2019</a:t>
             </a:fld>
             <a:endParaRPr lang="en-US" dirty="0"/>
           </a:p>
@@ -3241,7 +3201,7 @@
           <a:p>
             <a:fld id="{4509A250-FF31-4206-8172-F9D3106AACB1}" type="datetimeFigureOut">
               <a:rPr lang="en-US" dirty="0"/>
-              <a:t>9/9/2019</a:t>
+              <a:t>9/11/2019</a:t>
             </a:fld>
             <a:endParaRPr lang="en-US" dirty="0"/>
           </a:p>
@@ -3406,7 +3366,7 @@
           <a:p>
             <a:fld id="{4509A250-FF31-4206-8172-F9D3106AACB1}" type="datetimeFigureOut">
               <a:rPr lang="en-US" dirty="0"/>
-              <a:t>9/9/2019</a:t>
+              <a:t>9/11/2019</a:t>
             </a:fld>
             <a:endParaRPr lang="en-US" dirty="0"/>
           </a:p>
@@ -3648,7 +3608,7 @@
           <a:p>
             <a:fld id="{9796027F-7875-4030-9381-8BD8C4F21935}" type="datetimeFigureOut">
               <a:rPr lang="en-US" dirty="0"/>
-              <a:t>9/9/2019</a:t>
+              <a:t>9/11/2019</a:t>
             </a:fld>
             <a:endParaRPr lang="en-US" dirty="0"/>
           </a:p>
@@ -3935,7 +3895,7 @@
           <a:p>
             <a:fld id="{9796027F-7875-4030-9381-8BD8C4F21935}" type="datetimeFigureOut">
               <a:rPr lang="en-US" dirty="0"/>
-              <a:t>9/9/2019</a:t>
+              <a:t>9/11/2019</a:t>
             </a:fld>
             <a:endParaRPr lang="en-US" dirty="0"/>
           </a:p>
@@ -4374,7 +4334,7 @@
           <a:p>
             <a:fld id="{9796027F-7875-4030-9381-8BD8C4F21935}" type="datetimeFigureOut">
               <a:rPr lang="en-US" dirty="0"/>
-              <a:t>9/9/2019</a:t>
+              <a:t>9/11/2019</a:t>
             </a:fld>
             <a:endParaRPr lang="en-US" dirty="0"/>
           </a:p>
@@ -4487,7 +4447,7 @@
           <a:p>
             <a:fld id="{4509A250-FF31-4206-8172-F9D3106AACB1}" type="datetimeFigureOut">
               <a:rPr lang="en-US" dirty="0"/>
-              <a:t>9/9/2019</a:t>
+              <a:t>9/11/2019</a:t>
             </a:fld>
             <a:endParaRPr lang="en-US" dirty="0"/>
           </a:p>
@@ -4577,7 +4537,7 @@
           <a:p>
             <a:fld id="{4509A250-FF31-4206-8172-F9D3106AACB1}" type="datetimeFigureOut">
               <a:rPr lang="en-US" dirty="0"/>
-              <a:t>9/9/2019</a:t>
+              <a:t>9/11/2019</a:t>
             </a:fld>
             <a:endParaRPr lang="en-US" dirty="0"/>
           </a:p>
@@ -4851,7 +4811,7 @@
           <a:p>
             <a:fld id="{4509A250-FF31-4206-8172-F9D3106AACB1}" type="datetimeFigureOut">
               <a:rPr lang="en-US" dirty="0"/>
-              <a:t>9/9/2019</a:t>
+              <a:t>9/11/2019</a:t>
             </a:fld>
             <a:endParaRPr lang="en-US" dirty="0"/>
           </a:p>
@@ -5121,7 +5081,7 @@
           <a:p>
             <a:fld id="{4509A250-FF31-4206-8172-F9D3106AACB1}" type="datetimeFigureOut">
               <a:rPr lang="en-US" dirty="0"/>
-              <a:t>9/9/2019</a:t>
+              <a:t>9/11/2019</a:t>
             </a:fld>
             <a:endParaRPr lang="en-US" dirty="0"/>
           </a:p>
@@ -5545,7 +5505,7 @@
           <a:p>
             <a:fld id="{4AAD347D-5ACD-4C99-B74B-A9C85AD731AF}" type="datetimeFigureOut">
               <a:rPr lang="en-US" dirty="0"/>
-              <a:t>9/9/2019</a:t>
+              <a:t>9/11/2019</a:t>
             </a:fld>
             <a:endParaRPr lang="en-US" dirty="0"/>
           </a:p>
@@ -6085,7 +6045,12 @@
             <p:ph type="ctrTitle"/>
           </p:nvPr>
         </p:nvSpPr>
-        <p:spPr/>
+        <p:spPr>
+          <a:xfrm>
+            <a:off x="1154955" y="3666478"/>
+            <a:ext cx="8825658" cy="1110903"/>
+          </a:xfrm>
+        </p:spPr>
         <p:txBody>
           <a:bodyPr/>
           <a:lstStyle/>
@@ -6180,7 +6145,7 @@
           <a:p>
             <a:r>
               <a:rPr lang="en-US" dirty="0"/>
-              <a:t>Why Angular?</a:t>
+              <a:t>What is Angular?</a:t>
             </a:r>
             <a:endParaRPr lang="en-GB" dirty="0"/>
           </a:p>
@@ -6209,33 +6174,36 @@
           <a:p>
             <a:r>
               <a:rPr lang="en-US" dirty="0"/>
-              <a:t>Single Page Application</a:t>
-            </a:r>
-          </a:p>
-          <a:p>
-            <a:r>
-              <a:rPr lang="en-US" dirty="0"/>
-              <a:t>Component Based</a:t>
-            </a:r>
-          </a:p>
-          <a:p>
-            <a:r>
-              <a:rPr lang="en-US" dirty="0"/>
-              <a:t>Encourages use of patterns</a:t>
-            </a:r>
-          </a:p>
-          <a:p>
-            <a:r>
-              <a:rPr lang="en-US" dirty="0"/>
-              <a:t>Uses interfaces and dependency injection</a:t>
-            </a:r>
+              <a:t>Angular is a </a:t>
+            </a:r>
+            <a:r>
+              <a:rPr lang="en-US" dirty="0" err="1"/>
+              <a:t>Javascript</a:t>
+            </a:r>
+            <a:r>
+              <a:rPr lang="en-US" dirty="0"/>
+              <a:t> framework</a:t>
+            </a:r>
+          </a:p>
+          <a:p>
+            <a:r>
+              <a:rPr lang="en-US" dirty="0"/>
+              <a:t>First appeared in October 2010</a:t>
+            </a:r>
+          </a:p>
+          <a:p>
+            <a:r>
+              <a:rPr lang="en-US" dirty="0"/>
+              <a:t>Angular 2 launched in September 2016</a:t>
+            </a:r>
+            <a:endParaRPr lang="en-GB" dirty="0"/>
           </a:p>
         </p:txBody>
       </p:sp>
     </p:spTree>
     <p:extLst>
       <p:ext uri="{BB962C8B-B14F-4D97-AF65-F5344CB8AC3E}">
-        <p14:creationId xmlns:p14="http://schemas.microsoft.com/office/powerpoint/2010/main" val="729305646"/>
+        <p14:creationId xmlns:p14="http://schemas.microsoft.com/office/powerpoint/2010/main" val="2847241169"/>
       </p:ext>
     </p:extLst>
   </p:cSld>
@@ -6288,7 +6256,7 @@
           <a:p>
             <a:r>
               <a:rPr lang="en-US" dirty="0"/>
-              <a:t>Why Angular?</a:t>
+              <a:t>What is Angular?</a:t>
             </a:r>
             <a:endParaRPr lang="en-GB" dirty="0"/>
           </a:p>
@@ -6317,44 +6285,42 @@
           <a:p>
             <a:r>
               <a:rPr lang="en-US" dirty="0"/>
-              <a:t>Single Page Application</a:t>
-            </a:r>
-          </a:p>
-          <a:p>
-            <a:r>
-              <a:rPr lang="en-US" dirty="0"/>
-              <a:t>Component Based</a:t>
-            </a:r>
-          </a:p>
-          <a:p>
-            <a:r>
-              <a:rPr lang="en-US" dirty="0"/>
-              <a:t>Encourages use of patterns</a:t>
-            </a:r>
-          </a:p>
-          <a:p>
-            <a:r>
-              <a:rPr lang="en-US" dirty="0"/>
-              <a:t>Uses interfaces and dependency injection</a:t>
-            </a:r>
-          </a:p>
-          <a:p>
-            <a:r>
-              <a:rPr lang="en-US" dirty="0"/>
-              <a:t>Code is well </a:t>
+              <a:t>Angular is a </a:t>
             </a:r>
             <a:r>
               <a:rPr lang="en-US" dirty="0" err="1"/>
-              <a:t>organised</a:t>
-            </a:r>
-            <a:endParaRPr lang="en-US" dirty="0"/>
+              <a:t>Javascript</a:t>
+            </a:r>
+            <a:r>
+              <a:rPr lang="en-US" dirty="0"/>
+              <a:t> framework</a:t>
+            </a:r>
+          </a:p>
+          <a:p>
+            <a:r>
+              <a:rPr lang="en-US" dirty="0"/>
+              <a:t>First appeared in October 2010</a:t>
+            </a:r>
+          </a:p>
+          <a:p>
+            <a:r>
+              <a:rPr lang="en-US" dirty="0"/>
+              <a:t>Angular 2 launched in September 2016</a:t>
+            </a:r>
+          </a:p>
+          <a:p>
+            <a:r>
+              <a:rPr lang="en-US" dirty="0"/>
+              <a:t>AngularJS and Angular exist side by side</a:t>
+            </a:r>
+            <a:endParaRPr lang="en-GB" dirty="0"/>
           </a:p>
         </p:txBody>
       </p:sp>
     </p:spTree>
     <p:extLst>
       <p:ext uri="{BB962C8B-B14F-4D97-AF65-F5344CB8AC3E}">
-        <p14:creationId xmlns:p14="http://schemas.microsoft.com/office/powerpoint/2010/main" val="1710202916"/>
+        <p14:creationId xmlns:p14="http://schemas.microsoft.com/office/powerpoint/2010/main" val="1366644391"/>
       </p:ext>
     </p:extLst>
   </p:cSld>
@@ -6434,47 +6400,17 @@
           <a:bodyPr/>
           <a:lstStyle/>
           <a:p>
-            <a:r>
-              <a:rPr lang="en-US" dirty="0"/>
-              <a:t>Single Page Application</a:t>
-            </a:r>
-          </a:p>
-          <a:p>
-            <a:r>
-              <a:rPr lang="en-US" dirty="0"/>
-              <a:t>Component Based</a:t>
-            </a:r>
-          </a:p>
-          <a:p>
-            <a:r>
-              <a:rPr lang="en-US" dirty="0"/>
-              <a:t>Encourages use of patterns</a:t>
-            </a:r>
-          </a:p>
-          <a:p>
-            <a:r>
-              <a:rPr lang="en-US" dirty="0"/>
-              <a:t>Uses interfaces and dependency injection</a:t>
-            </a:r>
-          </a:p>
-          <a:p>
-            <a:r>
-              <a:rPr lang="en-US" dirty="0"/>
-              <a:t>Code is well organized</a:t>
-            </a:r>
-          </a:p>
-          <a:p>
-            <a:r>
-              <a:rPr lang="en-US" dirty="0"/>
-              <a:t>Built-in bundling and minification</a:t>
-            </a:r>
+            <a:pPr marL="0" indent="0">
+              <a:buNone/>
+            </a:pPr>
+            <a:endParaRPr lang="en-US" dirty="0"/>
           </a:p>
         </p:txBody>
       </p:sp>
     </p:spTree>
     <p:extLst>
       <p:ext uri="{BB962C8B-B14F-4D97-AF65-F5344CB8AC3E}">
-        <p14:creationId xmlns:p14="http://schemas.microsoft.com/office/powerpoint/2010/main" val="574221577"/>
+        <p14:creationId xmlns:p14="http://schemas.microsoft.com/office/powerpoint/2010/main" val="3842485195"/>
       </p:ext>
     </p:extLst>
   </p:cSld>
@@ -6559,48 +6495,12 @@
               <a:t>Single Page Application</a:t>
             </a:r>
           </a:p>
-          <a:p>
-            <a:r>
-              <a:rPr lang="en-US" dirty="0"/>
-              <a:t>Component Based</a:t>
-            </a:r>
-          </a:p>
-          <a:p>
-            <a:r>
-              <a:rPr lang="en-US" dirty="0"/>
-              <a:t>Encourages use of patterns</a:t>
-            </a:r>
-          </a:p>
-          <a:p>
-            <a:r>
-              <a:rPr lang="en-US" dirty="0"/>
-              <a:t>Uses interfaces and dependency injection</a:t>
-            </a:r>
-          </a:p>
-          <a:p>
-            <a:r>
-              <a:rPr lang="en-US" dirty="0"/>
-              <a:t>Code is well organized</a:t>
-            </a:r>
-          </a:p>
-          <a:p>
-            <a:r>
-              <a:rPr lang="en-US" dirty="0"/>
-              <a:t>Built-in bundling and minification</a:t>
-            </a:r>
-          </a:p>
-          <a:p>
-            <a:r>
-              <a:rPr lang="en-US" dirty="0"/>
-              <a:t>Uses Typescript and CSS pre-compilers (SASS/LESS) out of the box.</a:t>
-            </a:r>
-          </a:p>
         </p:txBody>
       </p:sp>
     </p:spTree>
     <p:extLst>
       <p:ext uri="{BB962C8B-B14F-4D97-AF65-F5344CB8AC3E}">
-        <p14:creationId xmlns:p14="http://schemas.microsoft.com/office/powerpoint/2010/main" val="1660693393"/>
+        <p14:creationId xmlns:p14="http://schemas.microsoft.com/office/powerpoint/2010/main" val="469729035"/>
       </p:ext>
     </p:extLst>
   </p:cSld>
@@ -6691,56 +6591,12 @@
               <a:t>Component Based</a:t>
             </a:r>
           </a:p>
-          <a:p>
-            <a:r>
-              <a:rPr lang="en-US" dirty="0"/>
-              <a:t>Encourages use of patterns</a:t>
-            </a:r>
-          </a:p>
-          <a:p>
-            <a:r>
-              <a:rPr lang="en-US" dirty="0"/>
-              <a:t>Uses interfaces and dependency injection</a:t>
-            </a:r>
-          </a:p>
-          <a:p>
-            <a:r>
-              <a:rPr lang="en-US" dirty="0"/>
-              <a:t>Code is well organized</a:t>
-            </a:r>
-          </a:p>
-          <a:p>
-            <a:r>
-              <a:rPr lang="en-US" dirty="0"/>
-              <a:t>Built-in bundling and minification</a:t>
-            </a:r>
-          </a:p>
-          <a:p>
-            <a:r>
-              <a:rPr lang="en-US" dirty="0"/>
-              <a:t>Uses Typescript and CSS pre-compilers (SASS/LESS) out of the box.</a:t>
-            </a:r>
-          </a:p>
-          <a:p>
-            <a:r>
-              <a:rPr lang="en-US" dirty="0"/>
-              <a:t>Reporting section of Darwin/</a:t>
-            </a:r>
-            <a:r>
-              <a:rPr lang="en-US" dirty="0" err="1"/>
-              <a:t>eServices</a:t>
-            </a:r>
-            <a:r>
-              <a:rPr lang="en-US" dirty="0"/>
-              <a:t> written in Angular.</a:t>
-            </a:r>
-          </a:p>
         </p:txBody>
       </p:sp>
     </p:spTree>
     <p:extLst>
       <p:ext uri="{BB962C8B-B14F-4D97-AF65-F5344CB8AC3E}">
-        <p14:creationId xmlns:p14="http://schemas.microsoft.com/office/powerpoint/2010/main" val="608377538"/>
+        <p14:creationId xmlns:p14="http://schemas.microsoft.com/office/powerpoint/2010/main" val="864710568"/>
       </p:ext>
     </p:extLst>
   </p:cSld>
@@ -6793,7 +6649,7 @@
           <a:p>
             <a:r>
               <a:rPr lang="en-US" dirty="0"/>
-              <a:t>What do we need to start using Angular?</a:t>
+              <a:t>Why Angular?</a:t>
             </a:r>
             <a:endParaRPr lang="en-GB" dirty="0"/>
           </a:p>
@@ -6820,17 +6676,29 @@
           <a:bodyPr/>
           <a:lstStyle/>
           <a:p>
-            <a:pPr marL="0" indent="0">
-              <a:buNone/>
-            </a:pPr>
-            <a:endParaRPr lang="en-US" dirty="0"/>
+            <a:r>
+              <a:rPr lang="en-US" dirty="0"/>
+              <a:t>Single Page Application</a:t>
+            </a:r>
+          </a:p>
+          <a:p>
+            <a:r>
+              <a:rPr lang="en-US" dirty="0"/>
+              <a:t>Component Based</a:t>
+            </a:r>
+          </a:p>
+          <a:p>
+            <a:r>
+              <a:rPr lang="en-US" dirty="0"/>
+              <a:t>Encourages use of patterns</a:t>
+            </a:r>
           </a:p>
         </p:txBody>
       </p:sp>
     </p:spTree>
     <p:extLst>
       <p:ext uri="{BB962C8B-B14F-4D97-AF65-F5344CB8AC3E}">
-        <p14:creationId xmlns:p14="http://schemas.microsoft.com/office/powerpoint/2010/main" val="1335752627"/>
+        <p14:creationId xmlns:p14="http://schemas.microsoft.com/office/powerpoint/2010/main" val="1372365167"/>
       </p:ext>
     </p:extLst>
   </p:cSld>
@@ -6883,7 +6751,7 @@
           <a:p>
             <a:r>
               <a:rPr lang="en-US" dirty="0"/>
-              <a:t>What do we need to start using Angular?</a:t>
+              <a:t>Why Angular?</a:t>
             </a:r>
             <a:endParaRPr lang="en-GB" dirty="0"/>
           </a:p>
@@ -6911,12 +6779,26 @@
           <a:lstStyle/>
           <a:p>
             <a:r>
-              <a:rPr lang="en-US" dirty="0" err="1"/>
-              <a:t>NodeJs</a:t>
-            </a:r>
-            <a:r>
-              <a:rPr lang="en-US" dirty="0"/>
-              <a:t> which can be downloaded from nodejs.org</a:t>
+              <a:rPr lang="en-US" dirty="0"/>
+              <a:t>Single Page Application</a:t>
+            </a:r>
+          </a:p>
+          <a:p>
+            <a:r>
+              <a:rPr lang="en-US" dirty="0"/>
+              <a:t>Component Based</a:t>
+            </a:r>
+          </a:p>
+          <a:p>
+            <a:r>
+              <a:rPr lang="en-US" dirty="0"/>
+              <a:t>Encourages use of patterns</a:t>
+            </a:r>
+          </a:p>
+          <a:p>
+            <a:r>
+              <a:rPr lang="en-US" dirty="0"/>
+              <a:t>Uses interfaces and dependency injection</a:t>
             </a:r>
           </a:p>
         </p:txBody>
@@ -6924,7 +6806,7 @@
     </p:spTree>
     <p:extLst>
       <p:ext uri="{BB962C8B-B14F-4D97-AF65-F5344CB8AC3E}">
-        <p14:creationId xmlns:p14="http://schemas.microsoft.com/office/powerpoint/2010/main" val="2185374066"/>
+        <p14:creationId xmlns:p14="http://schemas.microsoft.com/office/powerpoint/2010/main" val="729305646"/>
       </p:ext>
     </p:extLst>
   </p:cSld>
@@ -6977,7 +6859,7 @@
           <a:p>
             <a:r>
               <a:rPr lang="en-US" dirty="0"/>
-              <a:t>What do we need to start using Angular?</a:t>
+              <a:t>Why Angular?</a:t>
             </a:r>
             <a:endParaRPr lang="en-GB" dirty="0"/>
           </a:p>
@@ -7005,26 +6887,45 @@
           <a:lstStyle/>
           <a:p>
             <a:r>
+              <a:rPr lang="en-US" dirty="0"/>
+              <a:t>Single Page Application</a:t>
+            </a:r>
+          </a:p>
+          <a:p>
+            <a:r>
+              <a:rPr lang="en-US" dirty="0"/>
+              <a:t>Component Based</a:t>
+            </a:r>
+          </a:p>
+          <a:p>
+            <a:r>
+              <a:rPr lang="en-US" dirty="0"/>
+              <a:t>Encourages use of patterns</a:t>
+            </a:r>
+          </a:p>
+          <a:p>
+            <a:r>
+              <a:rPr lang="en-US" dirty="0"/>
+              <a:t>Uses interfaces and dependency injection</a:t>
+            </a:r>
+          </a:p>
+          <a:p>
+            <a:r>
+              <a:rPr lang="en-US" dirty="0"/>
+              <a:t>Code is well </a:t>
+            </a:r>
+            <a:r>
               <a:rPr lang="en-US" dirty="0" err="1"/>
-              <a:t>NodeJs</a:t>
-            </a:r>
-            <a:r>
-              <a:rPr lang="en-US" dirty="0"/>
-              <a:t> which can be downloaded from nodejs.org</a:t>
-            </a:r>
-          </a:p>
-          <a:p>
-            <a:r>
-              <a:rPr lang="en-US" dirty="0"/>
-              <a:t>Angular\CLI which can be downloaded using Node Package Manager (NPM)</a:t>
-            </a:r>
+              <a:t>organised</a:t>
+            </a:r>
+            <a:endParaRPr lang="en-US" dirty="0"/>
           </a:p>
         </p:txBody>
       </p:sp>
     </p:spTree>
     <p:extLst>
       <p:ext uri="{BB962C8B-B14F-4D97-AF65-F5344CB8AC3E}">
-        <p14:creationId xmlns:p14="http://schemas.microsoft.com/office/powerpoint/2010/main" val="239508806"/>
+        <p14:creationId xmlns:p14="http://schemas.microsoft.com/office/powerpoint/2010/main" val="1710202916"/>
       </p:ext>
     </p:extLst>
   </p:cSld>
@@ -7077,7 +6978,7 @@
           <a:p>
             <a:r>
               <a:rPr lang="en-US" dirty="0"/>
-              <a:t>What do we need to start using Angular?</a:t>
+              <a:t>Why Angular?</a:t>
             </a:r>
             <a:endParaRPr lang="en-GB" dirty="0"/>
           </a:p>
@@ -7105,24 +7006,38 @@
           <a:lstStyle/>
           <a:p>
             <a:r>
-              <a:rPr lang="en-US" dirty="0" err="1"/>
-              <a:t>NodeJs</a:t>
-            </a:r>
-            <a:r>
-              <a:rPr lang="en-US" dirty="0"/>
-              <a:t> which can be downloaded from nodejs.org</a:t>
-            </a:r>
-          </a:p>
-          <a:p>
-            <a:r>
-              <a:rPr lang="en-US" dirty="0"/>
-              <a:t>Angular\CLI which can be downloaded using Node Package Manager (NPM)</a:t>
-            </a:r>
-          </a:p>
-          <a:p>
-            <a:r>
-              <a:rPr lang="en-US" dirty="0"/>
-              <a:t>VS Code</a:t>
+              <a:rPr lang="en-US" dirty="0"/>
+              <a:t>Single Page Application</a:t>
+            </a:r>
+          </a:p>
+          <a:p>
+            <a:r>
+              <a:rPr lang="en-US" dirty="0"/>
+              <a:t>Component Based</a:t>
+            </a:r>
+          </a:p>
+          <a:p>
+            <a:r>
+              <a:rPr lang="en-US" dirty="0"/>
+              <a:t>Encourages use of patterns</a:t>
+            </a:r>
+          </a:p>
+          <a:p>
+            <a:r>
+              <a:rPr lang="en-US" dirty="0"/>
+              <a:t>Uses interfaces and dependency injection</a:t>
+            </a:r>
+          </a:p>
+          <a:p>
+            <a:r>
+              <a:rPr lang="en-US" dirty="0"/>
+              <a:t>Code is well organized</a:t>
+            </a:r>
+          </a:p>
+          <a:p>
+            <a:r>
+              <a:rPr lang="en-US" dirty="0"/>
+              <a:t>Built-in bundling and minification</a:t>
             </a:r>
           </a:p>
         </p:txBody>
@@ -7130,7 +7045,7 @@
     </p:spTree>
     <p:extLst>
       <p:ext uri="{BB962C8B-B14F-4D97-AF65-F5344CB8AC3E}">
-        <p14:creationId xmlns:p14="http://schemas.microsoft.com/office/powerpoint/2010/main" val="3833539852"/>
+        <p14:creationId xmlns:p14="http://schemas.microsoft.com/office/powerpoint/2010/main" val="574221577"/>
       </p:ext>
     </p:extLst>
   </p:cSld>
@@ -7183,7 +7098,7 @@
           <a:p>
             <a:r>
               <a:rPr lang="en-US" dirty="0"/>
-              <a:t>Creating an Angular application</a:t>
+              <a:t>Why Angular?</a:t>
             </a:r>
             <a:endParaRPr lang="en-GB" dirty="0"/>
           </a:p>
@@ -7212,15 +7127,43 @@
           <a:p>
             <a:r>
               <a:rPr lang="en-US" dirty="0"/>
-              <a:t>Download and install </a:t>
-            </a:r>
-            <a:r>
-              <a:rPr lang="en-US" dirty="0" err="1"/>
-              <a:t>NodeJs</a:t>
-            </a:r>
-            <a:r>
-              <a:rPr lang="en-US" dirty="0"/>
-              <a:t> if not already done, you may want to download the latest version if it has been a while since you installed it.</a:t>
+              <a:t>Single Page Application</a:t>
+            </a:r>
+          </a:p>
+          <a:p>
+            <a:r>
+              <a:rPr lang="en-US" dirty="0"/>
+              <a:t>Component Based</a:t>
+            </a:r>
+          </a:p>
+          <a:p>
+            <a:r>
+              <a:rPr lang="en-US" dirty="0"/>
+              <a:t>Encourages use of patterns</a:t>
+            </a:r>
+          </a:p>
+          <a:p>
+            <a:r>
+              <a:rPr lang="en-US" dirty="0"/>
+              <a:t>Uses interfaces and dependency injection</a:t>
+            </a:r>
+          </a:p>
+          <a:p>
+            <a:r>
+              <a:rPr lang="en-US" dirty="0"/>
+              <a:t>Code is well organized</a:t>
+            </a:r>
+          </a:p>
+          <a:p>
+            <a:r>
+              <a:rPr lang="en-US" dirty="0"/>
+              <a:t>Built-in bundling and minification</a:t>
+            </a:r>
+          </a:p>
+          <a:p>
+            <a:r>
+              <a:rPr lang="en-US" dirty="0"/>
+              <a:t>Uses Typescript and CSS pre-compilers (SASS/LESS) out of the box.</a:t>
             </a:r>
           </a:p>
         </p:txBody>
@@ -7228,7 +7171,7 @@
     </p:spTree>
     <p:extLst>
       <p:ext uri="{BB962C8B-B14F-4D97-AF65-F5344CB8AC3E}">
-        <p14:creationId xmlns:p14="http://schemas.microsoft.com/office/powerpoint/2010/main" val="49239713"/>
+        <p14:creationId xmlns:p14="http://schemas.microsoft.com/office/powerpoint/2010/main" val="1660693393"/>
       </p:ext>
     </p:extLst>
   </p:cSld>
@@ -7274,14 +7217,19 @@
             <p:ph type="title"/>
           </p:nvPr>
         </p:nvSpPr>
-        <p:spPr/>
-        <p:txBody>
-          <a:bodyPr/>
-          <a:lstStyle/>
-          <a:p>
-            <a:r>
-              <a:rPr lang="en-US" dirty="0"/>
-              <a:t>What is Angular?</a:t>
+        <p:spPr>
+          <a:xfrm>
+            <a:off x="1103312" y="337307"/>
+            <a:ext cx="9404723" cy="1400530"/>
+          </a:xfrm>
+        </p:spPr>
+        <p:txBody>
+          <a:bodyPr/>
+          <a:lstStyle/>
+          <a:p>
+            <a:r>
+              <a:rPr lang="en-US" dirty="0"/>
+              <a:t>Angular</a:t>
             </a:r>
             <a:endParaRPr lang="en-GB" dirty="0"/>
           </a:p>
@@ -7310,15 +7258,7 @@
           <a:p>
             <a:r>
               <a:rPr lang="en-US" dirty="0"/>
-              <a:t>Angular is a </a:t>
-            </a:r>
-            <a:r>
-              <a:rPr lang="en-US" dirty="0" err="1"/>
-              <a:t>Javascript</a:t>
-            </a:r>
-            <a:r>
-              <a:rPr lang="en-US" dirty="0"/>
-              <a:t> framework</a:t>
+              <a:t>What is Angular?</a:t>
             </a:r>
           </a:p>
         </p:txBody>
@@ -7379,7 +7319,7 @@
           <a:p>
             <a:r>
               <a:rPr lang="en-US" dirty="0"/>
-              <a:t>Creating an Angular application</a:t>
+              <a:t>Why Angular?</a:t>
             </a:r>
             <a:endParaRPr lang="en-GB" dirty="0"/>
           </a:p>
@@ -7408,21 +7348,57 @@
           <a:p>
             <a:r>
               <a:rPr lang="en-US" dirty="0"/>
-              <a:t>Download and install </a:t>
+              <a:t>Single Page Application</a:t>
+            </a:r>
+          </a:p>
+          <a:p>
+            <a:r>
+              <a:rPr lang="en-US" dirty="0"/>
+              <a:t>Component Based</a:t>
+            </a:r>
+          </a:p>
+          <a:p>
+            <a:r>
+              <a:rPr lang="en-US" dirty="0"/>
+              <a:t>Encourages use of patterns</a:t>
+            </a:r>
+          </a:p>
+          <a:p>
+            <a:r>
+              <a:rPr lang="en-US" dirty="0"/>
+              <a:t>Uses interfaces and dependency injection</a:t>
+            </a:r>
+          </a:p>
+          <a:p>
+            <a:r>
+              <a:rPr lang="en-US" dirty="0"/>
+              <a:t>Code is well organized</a:t>
+            </a:r>
+          </a:p>
+          <a:p>
+            <a:r>
+              <a:rPr lang="en-US" dirty="0"/>
+              <a:t>Built-in bundling and minification</a:t>
+            </a:r>
+          </a:p>
+          <a:p>
+            <a:r>
+              <a:rPr lang="en-US" dirty="0"/>
+              <a:t>Uses Typescript and CSS pre-compilers (SASS/LESS) out of the box.</a:t>
+            </a:r>
+          </a:p>
+          <a:p>
+            <a:r>
+              <a:rPr lang="en-US" dirty="0"/>
+              <a:t>Reporting section of Darwin/</a:t>
             </a:r>
             <a:r>
               <a:rPr lang="en-US" dirty="0" err="1"/>
-              <a:t>NodeJs</a:t>
-            </a:r>
-            <a:r>
-              <a:rPr lang="en-US" dirty="0"/>
-              <a:t> if not already done, you may want to download the latest version if it has been a while since you installed it.</a:t>
-            </a:r>
-          </a:p>
-          <a:p>
-            <a:r>
-              <a:rPr lang="en-US" dirty="0"/>
-              <a:t>Open VS Code and navigate to a new empty folder</a:t>
+              <a:t>eServices</a:t>
+            </a:r>
+            <a:r>
+              <a:rPr lang="en-US" dirty="0"/>
+              <a:t> written in Angular.</a:t>
             </a:r>
           </a:p>
         </p:txBody>
@@ -7430,7 +7406,7 @@
     </p:spTree>
     <p:extLst>
       <p:ext uri="{BB962C8B-B14F-4D97-AF65-F5344CB8AC3E}">
-        <p14:creationId xmlns:p14="http://schemas.microsoft.com/office/powerpoint/2010/main" val="2029064754"/>
+        <p14:creationId xmlns:p14="http://schemas.microsoft.com/office/powerpoint/2010/main" val="608377538"/>
       </p:ext>
     </p:extLst>
   </p:cSld>
@@ -7483,6 +7459,598 @@
           <a:p>
             <a:r>
               <a:rPr lang="en-US" dirty="0"/>
+              <a:t>What do we need to start using Angular?</a:t>
+            </a:r>
+            <a:endParaRPr lang="en-GB" dirty="0"/>
+          </a:p>
+        </p:txBody>
+      </p:sp>
+      <p:sp>
+        <p:nvSpPr>
+          <p:cNvPr id="3" name="Content Placeholder 2">
+            <a:extLst>
+              <a:ext uri="{FF2B5EF4-FFF2-40B4-BE49-F238E27FC236}">
+                <a16:creationId xmlns:a16="http://schemas.microsoft.com/office/drawing/2014/main" id="{687CE64E-9E7F-4B6F-8310-FFD720CFB7CE}"/>
+              </a:ext>
+            </a:extLst>
+          </p:cNvPr>
+          <p:cNvSpPr>
+            <a:spLocks noGrp="1"/>
+          </p:cNvSpPr>
+          <p:nvPr>
+            <p:ph idx="1"/>
+          </p:nvPr>
+        </p:nvSpPr>
+        <p:spPr/>
+        <p:txBody>
+          <a:bodyPr/>
+          <a:lstStyle/>
+          <a:p>
+            <a:pPr marL="0" indent="0">
+              <a:buNone/>
+            </a:pPr>
+            <a:endParaRPr lang="en-US" dirty="0"/>
+          </a:p>
+        </p:txBody>
+      </p:sp>
+    </p:spTree>
+    <p:extLst>
+      <p:ext uri="{BB962C8B-B14F-4D97-AF65-F5344CB8AC3E}">
+        <p14:creationId xmlns:p14="http://schemas.microsoft.com/office/powerpoint/2010/main" val="1335752627"/>
+      </p:ext>
+    </p:extLst>
+  </p:cSld>
+  <p:clrMapOvr>
+    <a:masterClrMapping/>
+  </p:clrMapOvr>
+  <p:transition spd="slow">
+    <p:wipe/>
+  </p:transition>
+</p:sld>
+</file>
+
+<file path=ppt/slides/slide22.xml><?xml version="1.0" encoding="utf-8"?>
+<p:sld xmlns:a="http://schemas.openxmlformats.org/drawingml/2006/main" xmlns:r="http://schemas.openxmlformats.org/officeDocument/2006/relationships" xmlns:p="http://schemas.openxmlformats.org/presentationml/2006/main">
+  <p:cSld>
+    <p:spTree>
+      <p:nvGrpSpPr>
+        <p:cNvPr id="1" name=""/>
+        <p:cNvGrpSpPr/>
+        <p:nvPr/>
+      </p:nvGrpSpPr>
+      <p:grpSpPr>
+        <a:xfrm>
+          <a:off x="0" y="0"/>
+          <a:ext cx="0" cy="0"/>
+          <a:chOff x="0" y="0"/>
+          <a:chExt cx="0" cy="0"/>
+        </a:xfrm>
+      </p:grpSpPr>
+      <p:sp>
+        <p:nvSpPr>
+          <p:cNvPr id="2" name="Title 1">
+            <a:extLst>
+              <a:ext uri="{FF2B5EF4-FFF2-40B4-BE49-F238E27FC236}">
+                <a16:creationId xmlns:a16="http://schemas.microsoft.com/office/drawing/2014/main" id="{48750DE6-170F-4F5C-8CAC-7A5F9E5EF9D0}"/>
+              </a:ext>
+            </a:extLst>
+          </p:cNvPr>
+          <p:cNvSpPr>
+            <a:spLocks noGrp="1"/>
+          </p:cNvSpPr>
+          <p:nvPr>
+            <p:ph type="title"/>
+          </p:nvPr>
+        </p:nvSpPr>
+        <p:spPr/>
+        <p:txBody>
+          <a:bodyPr/>
+          <a:lstStyle/>
+          <a:p>
+            <a:r>
+              <a:rPr lang="en-US" dirty="0"/>
+              <a:t>What do we need to start using Angular?</a:t>
+            </a:r>
+            <a:endParaRPr lang="en-GB" dirty="0"/>
+          </a:p>
+        </p:txBody>
+      </p:sp>
+      <p:sp>
+        <p:nvSpPr>
+          <p:cNvPr id="3" name="Content Placeholder 2">
+            <a:extLst>
+              <a:ext uri="{FF2B5EF4-FFF2-40B4-BE49-F238E27FC236}">
+                <a16:creationId xmlns:a16="http://schemas.microsoft.com/office/drawing/2014/main" id="{687CE64E-9E7F-4B6F-8310-FFD720CFB7CE}"/>
+              </a:ext>
+            </a:extLst>
+          </p:cNvPr>
+          <p:cNvSpPr>
+            <a:spLocks noGrp="1"/>
+          </p:cNvSpPr>
+          <p:nvPr>
+            <p:ph idx="1"/>
+          </p:nvPr>
+        </p:nvSpPr>
+        <p:spPr/>
+        <p:txBody>
+          <a:bodyPr/>
+          <a:lstStyle/>
+          <a:p>
+            <a:r>
+              <a:rPr lang="en-US" dirty="0" err="1"/>
+              <a:t>NodeJs</a:t>
+            </a:r>
+            <a:r>
+              <a:rPr lang="en-US" dirty="0"/>
+              <a:t> which can be downloaded from nodejs.org</a:t>
+            </a:r>
+          </a:p>
+        </p:txBody>
+      </p:sp>
+    </p:spTree>
+    <p:extLst>
+      <p:ext uri="{BB962C8B-B14F-4D97-AF65-F5344CB8AC3E}">
+        <p14:creationId xmlns:p14="http://schemas.microsoft.com/office/powerpoint/2010/main" val="2185374066"/>
+      </p:ext>
+    </p:extLst>
+  </p:cSld>
+  <p:clrMapOvr>
+    <a:masterClrMapping/>
+  </p:clrMapOvr>
+  <p:transition spd="slow">
+    <p:wipe/>
+  </p:transition>
+</p:sld>
+</file>
+
+<file path=ppt/slides/slide23.xml><?xml version="1.0" encoding="utf-8"?>
+<p:sld xmlns:a="http://schemas.openxmlformats.org/drawingml/2006/main" xmlns:r="http://schemas.openxmlformats.org/officeDocument/2006/relationships" xmlns:p="http://schemas.openxmlformats.org/presentationml/2006/main">
+  <p:cSld>
+    <p:spTree>
+      <p:nvGrpSpPr>
+        <p:cNvPr id="1" name=""/>
+        <p:cNvGrpSpPr/>
+        <p:nvPr/>
+      </p:nvGrpSpPr>
+      <p:grpSpPr>
+        <a:xfrm>
+          <a:off x="0" y="0"/>
+          <a:ext cx="0" cy="0"/>
+          <a:chOff x="0" y="0"/>
+          <a:chExt cx="0" cy="0"/>
+        </a:xfrm>
+      </p:grpSpPr>
+      <p:sp>
+        <p:nvSpPr>
+          <p:cNvPr id="2" name="Title 1">
+            <a:extLst>
+              <a:ext uri="{FF2B5EF4-FFF2-40B4-BE49-F238E27FC236}">
+                <a16:creationId xmlns:a16="http://schemas.microsoft.com/office/drawing/2014/main" id="{48750DE6-170F-4F5C-8CAC-7A5F9E5EF9D0}"/>
+              </a:ext>
+            </a:extLst>
+          </p:cNvPr>
+          <p:cNvSpPr>
+            <a:spLocks noGrp="1"/>
+          </p:cNvSpPr>
+          <p:nvPr>
+            <p:ph type="title"/>
+          </p:nvPr>
+        </p:nvSpPr>
+        <p:spPr/>
+        <p:txBody>
+          <a:bodyPr/>
+          <a:lstStyle/>
+          <a:p>
+            <a:r>
+              <a:rPr lang="en-US" dirty="0"/>
+              <a:t>What do we need to start using Angular?</a:t>
+            </a:r>
+            <a:endParaRPr lang="en-GB" dirty="0"/>
+          </a:p>
+        </p:txBody>
+      </p:sp>
+      <p:sp>
+        <p:nvSpPr>
+          <p:cNvPr id="3" name="Content Placeholder 2">
+            <a:extLst>
+              <a:ext uri="{FF2B5EF4-FFF2-40B4-BE49-F238E27FC236}">
+                <a16:creationId xmlns:a16="http://schemas.microsoft.com/office/drawing/2014/main" id="{687CE64E-9E7F-4B6F-8310-FFD720CFB7CE}"/>
+              </a:ext>
+            </a:extLst>
+          </p:cNvPr>
+          <p:cNvSpPr>
+            <a:spLocks noGrp="1"/>
+          </p:cNvSpPr>
+          <p:nvPr>
+            <p:ph idx="1"/>
+          </p:nvPr>
+        </p:nvSpPr>
+        <p:spPr/>
+        <p:txBody>
+          <a:bodyPr/>
+          <a:lstStyle/>
+          <a:p>
+            <a:r>
+              <a:rPr lang="en-US" dirty="0" err="1"/>
+              <a:t>NodeJs</a:t>
+            </a:r>
+            <a:r>
+              <a:rPr lang="en-US" dirty="0"/>
+              <a:t> which can be downloaded from nodejs.org</a:t>
+            </a:r>
+          </a:p>
+          <a:p>
+            <a:r>
+              <a:rPr lang="en-US" dirty="0"/>
+              <a:t>Angular\CLI which can be downloaded using Node Package Manager (NPM)</a:t>
+            </a:r>
+          </a:p>
+        </p:txBody>
+      </p:sp>
+    </p:spTree>
+    <p:extLst>
+      <p:ext uri="{BB962C8B-B14F-4D97-AF65-F5344CB8AC3E}">
+        <p14:creationId xmlns:p14="http://schemas.microsoft.com/office/powerpoint/2010/main" val="239508806"/>
+      </p:ext>
+    </p:extLst>
+  </p:cSld>
+  <p:clrMapOvr>
+    <a:masterClrMapping/>
+  </p:clrMapOvr>
+  <p:transition spd="slow">
+    <p:wipe/>
+  </p:transition>
+</p:sld>
+</file>
+
+<file path=ppt/slides/slide24.xml><?xml version="1.0" encoding="utf-8"?>
+<p:sld xmlns:a="http://schemas.openxmlformats.org/drawingml/2006/main" xmlns:r="http://schemas.openxmlformats.org/officeDocument/2006/relationships" xmlns:p="http://schemas.openxmlformats.org/presentationml/2006/main">
+  <p:cSld>
+    <p:spTree>
+      <p:nvGrpSpPr>
+        <p:cNvPr id="1" name=""/>
+        <p:cNvGrpSpPr/>
+        <p:nvPr/>
+      </p:nvGrpSpPr>
+      <p:grpSpPr>
+        <a:xfrm>
+          <a:off x="0" y="0"/>
+          <a:ext cx="0" cy="0"/>
+          <a:chOff x="0" y="0"/>
+          <a:chExt cx="0" cy="0"/>
+        </a:xfrm>
+      </p:grpSpPr>
+      <p:sp>
+        <p:nvSpPr>
+          <p:cNvPr id="2" name="Title 1">
+            <a:extLst>
+              <a:ext uri="{FF2B5EF4-FFF2-40B4-BE49-F238E27FC236}">
+                <a16:creationId xmlns:a16="http://schemas.microsoft.com/office/drawing/2014/main" id="{48750DE6-170F-4F5C-8CAC-7A5F9E5EF9D0}"/>
+              </a:ext>
+            </a:extLst>
+          </p:cNvPr>
+          <p:cNvSpPr>
+            <a:spLocks noGrp="1"/>
+          </p:cNvSpPr>
+          <p:nvPr>
+            <p:ph type="title"/>
+          </p:nvPr>
+        </p:nvSpPr>
+        <p:spPr/>
+        <p:txBody>
+          <a:bodyPr/>
+          <a:lstStyle/>
+          <a:p>
+            <a:r>
+              <a:rPr lang="en-US" dirty="0"/>
+              <a:t>What do we need to start using Angular?</a:t>
+            </a:r>
+            <a:endParaRPr lang="en-GB" dirty="0"/>
+          </a:p>
+        </p:txBody>
+      </p:sp>
+      <p:sp>
+        <p:nvSpPr>
+          <p:cNvPr id="3" name="Content Placeholder 2">
+            <a:extLst>
+              <a:ext uri="{FF2B5EF4-FFF2-40B4-BE49-F238E27FC236}">
+                <a16:creationId xmlns:a16="http://schemas.microsoft.com/office/drawing/2014/main" id="{687CE64E-9E7F-4B6F-8310-FFD720CFB7CE}"/>
+              </a:ext>
+            </a:extLst>
+          </p:cNvPr>
+          <p:cNvSpPr>
+            <a:spLocks noGrp="1"/>
+          </p:cNvSpPr>
+          <p:nvPr>
+            <p:ph idx="1"/>
+          </p:nvPr>
+        </p:nvSpPr>
+        <p:spPr/>
+        <p:txBody>
+          <a:bodyPr/>
+          <a:lstStyle/>
+          <a:p>
+            <a:r>
+              <a:rPr lang="en-US" dirty="0" err="1"/>
+              <a:t>NodeJs</a:t>
+            </a:r>
+            <a:r>
+              <a:rPr lang="en-US" dirty="0"/>
+              <a:t> which can be downloaded from nodejs.org</a:t>
+            </a:r>
+          </a:p>
+          <a:p>
+            <a:r>
+              <a:rPr lang="en-US" dirty="0"/>
+              <a:t>Angular\CLI which can be downloaded using Node Package Manager (NPM)</a:t>
+            </a:r>
+          </a:p>
+          <a:p>
+            <a:r>
+              <a:rPr lang="en-US" dirty="0"/>
+              <a:t>VS Code</a:t>
+            </a:r>
+          </a:p>
+        </p:txBody>
+      </p:sp>
+    </p:spTree>
+    <p:extLst>
+      <p:ext uri="{BB962C8B-B14F-4D97-AF65-F5344CB8AC3E}">
+        <p14:creationId xmlns:p14="http://schemas.microsoft.com/office/powerpoint/2010/main" val="3833539852"/>
+      </p:ext>
+    </p:extLst>
+  </p:cSld>
+  <p:clrMapOvr>
+    <a:masterClrMapping/>
+  </p:clrMapOvr>
+  <p:transition spd="slow">
+    <p:wipe/>
+  </p:transition>
+</p:sld>
+</file>
+
+<file path=ppt/slides/slide25.xml><?xml version="1.0" encoding="utf-8"?>
+<p:sld xmlns:a="http://schemas.openxmlformats.org/drawingml/2006/main" xmlns:r="http://schemas.openxmlformats.org/officeDocument/2006/relationships" xmlns:p="http://schemas.openxmlformats.org/presentationml/2006/main">
+  <p:cSld>
+    <p:spTree>
+      <p:nvGrpSpPr>
+        <p:cNvPr id="1" name=""/>
+        <p:cNvGrpSpPr/>
+        <p:nvPr/>
+      </p:nvGrpSpPr>
+      <p:grpSpPr>
+        <a:xfrm>
+          <a:off x="0" y="0"/>
+          <a:ext cx="0" cy="0"/>
+          <a:chOff x="0" y="0"/>
+          <a:chExt cx="0" cy="0"/>
+        </a:xfrm>
+      </p:grpSpPr>
+      <p:sp>
+        <p:nvSpPr>
+          <p:cNvPr id="2" name="Title 1">
+            <a:extLst>
+              <a:ext uri="{FF2B5EF4-FFF2-40B4-BE49-F238E27FC236}">
+                <a16:creationId xmlns:a16="http://schemas.microsoft.com/office/drawing/2014/main" id="{48750DE6-170F-4F5C-8CAC-7A5F9E5EF9D0}"/>
+              </a:ext>
+            </a:extLst>
+          </p:cNvPr>
+          <p:cNvSpPr>
+            <a:spLocks noGrp="1"/>
+          </p:cNvSpPr>
+          <p:nvPr>
+            <p:ph type="title"/>
+          </p:nvPr>
+        </p:nvSpPr>
+        <p:spPr/>
+        <p:txBody>
+          <a:bodyPr/>
+          <a:lstStyle/>
+          <a:p>
+            <a:r>
+              <a:rPr lang="en-US" dirty="0"/>
+              <a:t>Creating an Angular application</a:t>
+            </a:r>
+            <a:endParaRPr lang="en-GB" dirty="0"/>
+          </a:p>
+        </p:txBody>
+      </p:sp>
+      <p:sp>
+        <p:nvSpPr>
+          <p:cNvPr id="3" name="Content Placeholder 2">
+            <a:extLst>
+              <a:ext uri="{FF2B5EF4-FFF2-40B4-BE49-F238E27FC236}">
+                <a16:creationId xmlns:a16="http://schemas.microsoft.com/office/drawing/2014/main" id="{687CE64E-9E7F-4B6F-8310-FFD720CFB7CE}"/>
+              </a:ext>
+            </a:extLst>
+          </p:cNvPr>
+          <p:cNvSpPr>
+            <a:spLocks noGrp="1"/>
+          </p:cNvSpPr>
+          <p:nvPr>
+            <p:ph idx="1"/>
+          </p:nvPr>
+        </p:nvSpPr>
+        <p:spPr/>
+        <p:txBody>
+          <a:bodyPr/>
+          <a:lstStyle/>
+          <a:p>
+            <a:r>
+              <a:rPr lang="en-US" dirty="0"/>
+              <a:t>Download and install </a:t>
+            </a:r>
+            <a:r>
+              <a:rPr lang="en-US" dirty="0" err="1"/>
+              <a:t>NodeJs</a:t>
+            </a:r>
+            <a:r>
+              <a:rPr lang="en-US" dirty="0"/>
+              <a:t> if not already done, you may want to download the latest version if it has been a while since you installed it.</a:t>
+            </a:r>
+          </a:p>
+        </p:txBody>
+      </p:sp>
+    </p:spTree>
+    <p:extLst>
+      <p:ext uri="{BB962C8B-B14F-4D97-AF65-F5344CB8AC3E}">
+        <p14:creationId xmlns:p14="http://schemas.microsoft.com/office/powerpoint/2010/main" val="49239713"/>
+      </p:ext>
+    </p:extLst>
+  </p:cSld>
+  <p:clrMapOvr>
+    <a:masterClrMapping/>
+  </p:clrMapOvr>
+  <p:transition spd="slow">
+    <p:wipe/>
+  </p:transition>
+</p:sld>
+</file>
+
+<file path=ppt/slides/slide26.xml><?xml version="1.0" encoding="utf-8"?>
+<p:sld xmlns:a="http://schemas.openxmlformats.org/drawingml/2006/main" xmlns:r="http://schemas.openxmlformats.org/officeDocument/2006/relationships" xmlns:p="http://schemas.openxmlformats.org/presentationml/2006/main">
+  <p:cSld>
+    <p:spTree>
+      <p:nvGrpSpPr>
+        <p:cNvPr id="1" name=""/>
+        <p:cNvGrpSpPr/>
+        <p:nvPr/>
+      </p:nvGrpSpPr>
+      <p:grpSpPr>
+        <a:xfrm>
+          <a:off x="0" y="0"/>
+          <a:ext cx="0" cy="0"/>
+          <a:chOff x="0" y="0"/>
+          <a:chExt cx="0" cy="0"/>
+        </a:xfrm>
+      </p:grpSpPr>
+      <p:sp>
+        <p:nvSpPr>
+          <p:cNvPr id="2" name="Title 1">
+            <a:extLst>
+              <a:ext uri="{FF2B5EF4-FFF2-40B4-BE49-F238E27FC236}">
+                <a16:creationId xmlns:a16="http://schemas.microsoft.com/office/drawing/2014/main" id="{48750DE6-170F-4F5C-8CAC-7A5F9E5EF9D0}"/>
+              </a:ext>
+            </a:extLst>
+          </p:cNvPr>
+          <p:cNvSpPr>
+            <a:spLocks noGrp="1"/>
+          </p:cNvSpPr>
+          <p:nvPr>
+            <p:ph type="title"/>
+          </p:nvPr>
+        </p:nvSpPr>
+        <p:spPr/>
+        <p:txBody>
+          <a:bodyPr/>
+          <a:lstStyle/>
+          <a:p>
+            <a:r>
+              <a:rPr lang="en-US" dirty="0"/>
+              <a:t>Creating an Angular application</a:t>
+            </a:r>
+            <a:endParaRPr lang="en-GB" dirty="0"/>
+          </a:p>
+        </p:txBody>
+      </p:sp>
+      <p:sp>
+        <p:nvSpPr>
+          <p:cNvPr id="3" name="Content Placeholder 2">
+            <a:extLst>
+              <a:ext uri="{FF2B5EF4-FFF2-40B4-BE49-F238E27FC236}">
+                <a16:creationId xmlns:a16="http://schemas.microsoft.com/office/drawing/2014/main" id="{687CE64E-9E7F-4B6F-8310-FFD720CFB7CE}"/>
+              </a:ext>
+            </a:extLst>
+          </p:cNvPr>
+          <p:cNvSpPr>
+            <a:spLocks noGrp="1"/>
+          </p:cNvSpPr>
+          <p:nvPr>
+            <p:ph idx="1"/>
+          </p:nvPr>
+        </p:nvSpPr>
+        <p:spPr/>
+        <p:txBody>
+          <a:bodyPr/>
+          <a:lstStyle/>
+          <a:p>
+            <a:r>
+              <a:rPr lang="en-US" dirty="0"/>
+              <a:t>Download and install </a:t>
+            </a:r>
+            <a:r>
+              <a:rPr lang="en-US" dirty="0" err="1"/>
+              <a:t>NodeJs</a:t>
+            </a:r>
+            <a:r>
+              <a:rPr lang="en-US" dirty="0"/>
+              <a:t> if not already done, you may want to download the latest version if it has been a while since you installed it.</a:t>
+            </a:r>
+          </a:p>
+          <a:p>
+            <a:r>
+              <a:rPr lang="en-US" dirty="0"/>
+              <a:t>Open VS Code and navigate to a new empty folder</a:t>
+            </a:r>
+          </a:p>
+        </p:txBody>
+      </p:sp>
+    </p:spTree>
+    <p:extLst>
+      <p:ext uri="{BB962C8B-B14F-4D97-AF65-F5344CB8AC3E}">
+        <p14:creationId xmlns:p14="http://schemas.microsoft.com/office/powerpoint/2010/main" val="2029064754"/>
+      </p:ext>
+    </p:extLst>
+  </p:cSld>
+  <p:clrMapOvr>
+    <a:masterClrMapping/>
+  </p:clrMapOvr>
+  <p:transition spd="slow">
+    <p:wipe/>
+  </p:transition>
+</p:sld>
+</file>
+
+<file path=ppt/slides/slide27.xml><?xml version="1.0" encoding="utf-8"?>
+<p:sld xmlns:a="http://schemas.openxmlformats.org/drawingml/2006/main" xmlns:r="http://schemas.openxmlformats.org/officeDocument/2006/relationships" xmlns:p="http://schemas.openxmlformats.org/presentationml/2006/main">
+  <p:cSld>
+    <p:spTree>
+      <p:nvGrpSpPr>
+        <p:cNvPr id="1" name=""/>
+        <p:cNvGrpSpPr/>
+        <p:nvPr/>
+      </p:nvGrpSpPr>
+      <p:grpSpPr>
+        <a:xfrm>
+          <a:off x="0" y="0"/>
+          <a:ext cx="0" cy="0"/>
+          <a:chOff x="0" y="0"/>
+          <a:chExt cx="0" cy="0"/>
+        </a:xfrm>
+      </p:grpSpPr>
+      <p:sp>
+        <p:nvSpPr>
+          <p:cNvPr id="2" name="Title 1">
+            <a:extLst>
+              <a:ext uri="{FF2B5EF4-FFF2-40B4-BE49-F238E27FC236}">
+                <a16:creationId xmlns:a16="http://schemas.microsoft.com/office/drawing/2014/main" id="{48750DE6-170F-4F5C-8CAC-7A5F9E5EF9D0}"/>
+              </a:ext>
+            </a:extLst>
+          </p:cNvPr>
+          <p:cNvSpPr>
+            <a:spLocks noGrp="1"/>
+          </p:cNvSpPr>
+          <p:nvPr>
+            <p:ph type="title"/>
+          </p:nvPr>
+        </p:nvSpPr>
+        <p:spPr/>
+        <p:txBody>
+          <a:bodyPr/>
+          <a:lstStyle/>
+          <a:p>
+            <a:r>
+              <a:rPr lang="en-US" dirty="0"/>
               <a:t>Creating an Angular application</a:t>
             </a:r>
             <a:endParaRPr lang="en-GB" dirty="0"/>
@@ -7553,7 +8121,7 @@
 </p:sld>
 </file>
 
-<file path=ppt/slides/slide22.xml><?xml version="1.0" encoding="utf-8"?>
+<file path=ppt/slides/slide28.xml><?xml version="1.0" encoding="utf-8"?>
 <p:sld xmlns:a="http://schemas.openxmlformats.org/drawingml/2006/main" xmlns:r="http://schemas.openxmlformats.org/officeDocument/2006/relationships" xmlns:p="http://schemas.openxmlformats.org/presentationml/2006/main">
   <p:cSld>
     <p:spTree>
@@ -7715,14 +8283,19 @@
             <p:ph type="title"/>
           </p:nvPr>
         </p:nvSpPr>
-        <p:spPr/>
-        <p:txBody>
-          <a:bodyPr/>
-          <a:lstStyle/>
-          <a:p>
-            <a:r>
-              <a:rPr lang="en-US" dirty="0"/>
-              <a:t>What is Angular?</a:t>
+        <p:spPr>
+          <a:xfrm>
+            <a:off x="1103312" y="337307"/>
+            <a:ext cx="9404723" cy="1400530"/>
+          </a:xfrm>
+        </p:spPr>
+        <p:txBody>
+          <a:bodyPr/>
+          <a:lstStyle/>
+          <a:p>
+            <a:r>
+              <a:rPr lang="en-US" dirty="0"/>
+              <a:t>Angular</a:t>
             </a:r>
             <a:endParaRPr lang="en-GB" dirty="0"/>
           </a:p>
@@ -7751,30 +8324,21 @@
           <a:p>
             <a:r>
               <a:rPr lang="en-US" dirty="0"/>
-              <a:t>Angular is a </a:t>
-            </a:r>
-            <a:r>
-              <a:rPr lang="en-US" dirty="0" err="1"/>
-              <a:t>Javascript</a:t>
-            </a:r>
-            <a:r>
-              <a:rPr lang="en-US" dirty="0"/>
-              <a:t> framework</a:t>
-            </a:r>
-          </a:p>
-          <a:p>
-            <a:r>
-              <a:rPr lang="en-US" dirty="0"/>
-              <a:t>First appeared in October 2010</a:t>
-            </a:r>
-            <a:endParaRPr lang="en-GB" dirty="0"/>
+              <a:t>What is Angular?</a:t>
+            </a:r>
+          </a:p>
+          <a:p>
+            <a:r>
+              <a:rPr lang="en-US" dirty="0"/>
+              <a:t>How to set up your environment</a:t>
+            </a:r>
           </a:p>
         </p:txBody>
       </p:sp>
     </p:spTree>
     <p:extLst>
       <p:ext uri="{BB962C8B-B14F-4D97-AF65-F5344CB8AC3E}">
-        <p14:creationId xmlns:p14="http://schemas.microsoft.com/office/powerpoint/2010/main" val="638976508"/>
+        <p14:creationId xmlns:p14="http://schemas.microsoft.com/office/powerpoint/2010/main" val="2827081265"/>
       </p:ext>
     </p:extLst>
   </p:cSld>
@@ -7820,14 +8384,19 @@
             <p:ph type="title"/>
           </p:nvPr>
         </p:nvSpPr>
-        <p:spPr/>
-        <p:txBody>
-          <a:bodyPr/>
-          <a:lstStyle/>
-          <a:p>
-            <a:r>
-              <a:rPr lang="en-US" dirty="0"/>
-              <a:t>What is Angular?</a:t>
+        <p:spPr>
+          <a:xfrm>
+            <a:off x="1103312" y="337307"/>
+            <a:ext cx="9404723" cy="1400530"/>
+          </a:xfrm>
+        </p:spPr>
+        <p:txBody>
+          <a:bodyPr/>
+          <a:lstStyle/>
+          <a:p>
+            <a:r>
+              <a:rPr lang="en-US" dirty="0"/>
+              <a:t>Angular</a:t>
             </a:r>
             <a:endParaRPr lang="en-GB" dirty="0"/>
           </a:p>
@@ -7856,36 +8425,27 @@
           <a:p>
             <a:r>
               <a:rPr lang="en-US" dirty="0"/>
-              <a:t>Angular is a </a:t>
-            </a:r>
-            <a:r>
-              <a:rPr lang="en-US" dirty="0" err="1"/>
-              <a:t>Javascript</a:t>
-            </a:r>
-            <a:r>
-              <a:rPr lang="en-US" dirty="0"/>
-              <a:t> framework</a:t>
-            </a:r>
-          </a:p>
-          <a:p>
-            <a:r>
-              <a:rPr lang="en-US" dirty="0"/>
-              <a:t>First appeared in October 2010</a:t>
-            </a:r>
-          </a:p>
-          <a:p>
-            <a:r>
-              <a:rPr lang="en-US" dirty="0"/>
-              <a:t>Angular 2 launched in September 2016</a:t>
-            </a:r>
-            <a:endParaRPr lang="en-GB" dirty="0"/>
+              <a:t>What is Angular?</a:t>
+            </a:r>
+          </a:p>
+          <a:p>
+            <a:r>
+              <a:rPr lang="en-US" dirty="0"/>
+              <a:t>How to set up your environment</a:t>
+            </a:r>
+          </a:p>
+          <a:p>
+            <a:r>
+              <a:rPr lang="en-US" dirty="0"/>
+              <a:t>Using the Angular CLI</a:t>
+            </a:r>
           </a:p>
         </p:txBody>
       </p:sp>
     </p:spTree>
     <p:extLst>
       <p:ext uri="{BB962C8B-B14F-4D97-AF65-F5344CB8AC3E}">
-        <p14:creationId xmlns:p14="http://schemas.microsoft.com/office/powerpoint/2010/main" val="2847241169"/>
+        <p14:creationId xmlns:p14="http://schemas.microsoft.com/office/powerpoint/2010/main" val="2197524878"/>
       </p:ext>
     </p:extLst>
   </p:cSld>
@@ -7931,14 +8491,19 @@
             <p:ph type="title"/>
           </p:nvPr>
         </p:nvSpPr>
-        <p:spPr/>
-        <p:txBody>
-          <a:bodyPr/>
-          <a:lstStyle/>
-          <a:p>
-            <a:r>
-              <a:rPr lang="en-US" dirty="0"/>
-              <a:t>What is Angular?</a:t>
+        <p:spPr>
+          <a:xfrm>
+            <a:off x="1103312" y="337307"/>
+            <a:ext cx="9404723" cy="1400530"/>
+          </a:xfrm>
+        </p:spPr>
+        <p:txBody>
+          <a:bodyPr/>
+          <a:lstStyle/>
+          <a:p>
+            <a:r>
+              <a:rPr lang="en-US" dirty="0"/>
+              <a:t>Angular</a:t>
             </a:r>
             <a:endParaRPr lang="en-GB" dirty="0"/>
           </a:p>
@@ -7967,42 +8532,33 @@
           <a:p>
             <a:r>
               <a:rPr lang="en-US" dirty="0"/>
-              <a:t>Angular is a </a:t>
-            </a:r>
-            <a:r>
-              <a:rPr lang="en-US" dirty="0" err="1"/>
-              <a:t>Javascript</a:t>
-            </a:r>
-            <a:r>
-              <a:rPr lang="en-US" dirty="0"/>
-              <a:t> framework</a:t>
-            </a:r>
-          </a:p>
-          <a:p>
-            <a:r>
-              <a:rPr lang="en-US" dirty="0"/>
-              <a:t>First appeared in October 2010</a:t>
-            </a:r>
-          </a:p>
-          <a:p>
-            <a:r>
-              <a:rPr lang="en-US" dirty="0"/>
-              <a:t>Angular 2 launched in September 2016</a:t>
-            </a:r>
-          </a:p>
-          <a:p>
-            <a:r>
-              <a:rPr lang="en-US" dirty="0"/>
-              <a:t>AngularJS and Angular exist side by side</a:t>
-            </a:r>
-            <a:endParaRPr lang="en-GB" dirty="0"/>
+              <a:t>What is Angular?</a:t>
+            </a:r>
+          </a:p>
+          <a:p>
+            <a:r>
+              <a:rPr lang="en-US" dirty="0"/>
+              <a:t>How to set up your environment</a:t>
+            </a:r>
+          </a:p>
+          <a:p>
+            <a:r>
+              <a:rPr lang="en-US" dirty="0"/>
+              <a:t>Using the Angular CLI</a:t>
+            </a:r>
+          </a:p>
+          <a:p>
+            <a:r>
+              <a:rPr lang="en-US" dirty="0"/>
+              <a:t>Routing</a:t>
+            </a:r>
           </a:p>
         </p:txBody>
       </p:sp>
     </p:spTree>
     <p:extLst>
       <p:ext uri="{BB962C8B-B14F-4D97-AF65-F5344CB8AC3E}">
-        <p14:creationId xmlns:p14="http://schemas.microsoft.com/office/powerpoint/2010/main" val="1366644391"/>
+        <p14:creationId xmlns:p14="http://schemas.microsoft.com/office/powerpoint/2010/main" val="3626206077"/>
       </p:ext>
     </p:extLst>
   </p:cSld>
@@ -8048,14 +8604,19 @@
             <p:ph type="title"/>
           </p:nvPr>
         </p:nvSpPr>
-        <p:spPr/>
-        <p:txBody>
-          <a:bodyPr/>
-          <a:lstStyle/>
-          <a:p>
-            <a:r>
-              <a:rPr lang="en-US" dirty="0"/>
-              <a:t>Why Angular?</a:t>
+        <p:spPr>
+          <a:xfrm>
+            <a:off x="1103312" y="337307"/>
+            <a:ext cx="9404723" cy="1400530"/>
+          </a:xfrm>
+        </p:spPr>
+        <p:txBody>
+          <a:bodyPr/>
+          <a:lstStyle/>
+          <a:p>
+            <a:r>
+              <a:rPr lang="en-US" dirty="0"/>
+              <a:t>Angular</a:t>
             </a:r>
             <a:endParaRPr lang="en-GB" dirty="0"/>
           </a:p>
@@ -8082,17 +8643,41 @@
           <a:bodyPr/>
           <a:lstStyle/>
           <a:p>
-            <a:pPr marL="0" indent="0">
-              <a:buNone/>
-            </a:pPr>
-            <a:endParaRPr lang="en-US" dirty="0"/>
+            <a:r>
+              <a:rPr lang="en-US" dirty="0"/>
+              <a:t>What is Angular?</a:t>
+            </a:r>
+          </a:p>
+          <a:p>
+            <a:r>
+              <a:rPr lang="en-US" dirty="0"/>
+              <a:t>How to set up your environment</a:t>
+            </a:r>
+          </a:p>
+          <a:p>
+            <a:r>
+              <a:rPr lang="en-US" dirty="0"/>
+              <a:t>Using the Angular CLI</a:t>
+            </a:r>
+          </a:p>
+          <a:p>
+            <a:r>
+              <a:rPr lang="en-US" dirty="0"/>
+              <a:t>Routing</a:t>
+            </a:r>
+          </a:p>
+          <a:p>
+            <a:r>
+              <a:rPr lang="en-US" dirty="0"/>
+              <a:t>Dependency Injection</a:t>
+            </a:r>
           </a:p>
         </p:txBody>
       </p:sp>
     </p:spTree>
     <p:extLst>
       <p:ext uri="{BB962C8B-B14F-4D97-AF65-F5344CB8AC3E}">
-        <p14:creationId xmlns:p14="http://schemas.microsoft.com/office/powerpoint/2010/main" val="3842485195"/>
+        <p14:creationId xmlns:p14="http://schemas.microsoft.com/office/powerpoint/2010/main" val="3913544135"/>
       </p:ext>
     </p:extLst>
   </p:cSld>
@@ -8138,14 +8723,19 @@
             <p:ph type="title"/>
           </p:nvPr>
         </p:nvSpPr>
-        <p:spPr/>
-        <p:txBody>
-          <a:bodyPr/>
-          <a:lstStyle/>
-          <a:p>
-            <a:r>
-              <a:rPr lang="en-US" dirty="0"/>
-              <a:t>Why Angular?</a:t>
+        <p:spPr>
+          <a:xfrm>
+            <a:off x="1103312" y="337307"/>
+            <a:ext cx="9404723" cy="1400530"/>
+          </a:xfrm>
+        </p:spPr>
+        <p:txBody>
+          <a:bodyPr/>
+          <a:lstStyle/>
+          <a:p>
+            <a:r>
+              <a:rPr lang="en-US" dirty="0"/>
+              <a:t>Angular</a:t>
             </a:r>
             <a:endParaRPr lang="en-GB" dirty="0"/>
           </a:p>
@@ -8174,7 +8764,37 @@
           <a:p>
             <a:r>
               <a:rPr lang="en-US" dirty="0"/>
-              <a:t>Single Page Application</a:t>
+              <a:t>What is Angular?</a:t>
+            </a:r>
+          </a:p>
+          <a:p>
+            <a:r>
+              <a:rPr lang="en-US" dirty="0"/>
+              <a:t>How to set up your environment</a:t>
+            </a:r>
+          </a:p>
+          <a:p>
+            <a:r>
+              <a:rPr lang="en-US" dirty="0"/>
+              <a:t>Using the Angular CLI</a:t>
+            </a:r>
+          </a:p>
+          <a:p>
+            <a:r>
+              <a:rPr lang="en-US" dirty="0"/>
+              <a:t>Routing</a:t>
+            </a:r>
+          </a:p>
+          <a:p>
+            <a:r>
+              <a:rPr lang="en-US" dirty="0"/>
+              <a:t>Dependency Injection</a:t>
+            </a:r>
+          </a:p>
+          <a:p>
+            <a:r>
+              <a:rPr lang="en-US" dirty="0"/>
+              <a:t>$Http</a:t>
             </a:r>
           </a:p>
         </p:txBody>
@@ -8182,7 +8802,7 @@
     </p:spTree>
     <p:extLst>
       <p:ext uri="{BB962C8B-B14F-4D97-AF65-F5344CB8AC3E}">
-        <p14:creationId xmlns:p14="http://schemas.microsoft.com/office/powerpoint/2010/main" val="469729035"/>
+        <p14:creationId xmlns:p14="http://schemas.microsoft.com/office/powerpoint/2010/main" val="234249812"/>
       </p:ext>
     </p:extLst>
   </p:cSld>
@@ -8235,7 +8855,7 @@
           <a:p>
             <a:r>
               <a:rPr lang="en-US" dirty="0"/>
-              <a:t>Why Angular?</a:t>
+              <a:t>What is Angular?</a:t>
             </a:r>
             <a:endParaRPr lang="en-GB" dirty="0"/>
           </a:p>
@@ -8264,13 +8884,15 @@
           <a:p>
             <a:r>
               <a:rPr lang="en-US" dirty="0"/>
-              <a:t>Single Page Application</a:t>
-            </a:r>
-          </a:p>
-          <a:p>
-            <a:r>
-              <a:rPr lang="en-US" dirty="0"/>
-              <a:t>Component Based</a:t>
+              <a:t>Angular is a </a:t>
+            </a:r>
+            <a:r>
+              <a:rPr lang="en-US" dirty="0" err="1"/>
+              <a:t>Javascript</a:t>
+            </a:r>
+            <a:r>
+              <a:rPr lang="en-US" dirty="0"/>
+              <a:t> framework</a:t>
             </a:r>
           </a:p>
         </p:txBody>
@@ -8278,7 +8900,7 @@
     </p:spTree>
     <p:extLst>
       <p:ext uri="{BB962C8B-B14F-4D97-AF65-F5344CB8AC3E}">
-        <p14:creationId xmlns:p14="http://schemas.microsoft.com/office/powerpoint/2010/main" val="864710568"/>
+        <p14:creationId xmlns:p14="http://schemas.microsoft.com/office/powerpoint/2010/main" val="3841256271"/>
       </p:ext>
     </p:extLst>
   </p:cSld>
@@ -8331,7 +8953,7 @@
           <a:p>
             <a:r>
               <a:rPr lang="en-US" dirty="0"/>
-              <a:t>Why Angular?</a:t>
+              <a:t>What is Angular?</a:t>
             </a:r>
             <a:endParaRPr lang="en-GB" dirty="0"/>
           </a:p>
@@ -8360,27 +8982,30 @@
           <a:p>
             <a:r>
               <a:rPr lang="en-US" dirty="0"/>
-              <a:t>Single Page Application</a:t>
-            </a:r>
-          </a:p>
-          <a:p>
-            <a:r>
-              <a:rPr lang="en-US" dirty="0"/>
-              <a:t>Component Based</a:t>
-            </a:r>
-          </a:p>
-          <a:p>
-            <a:r>
-              <a:rPr lang="en-US" dirty="0"/>
-              <a:t>Encourages use of patterns</a:t>
-            </a:r>
+              <a:t>Angular is a </a:t>
+            </a:r>
+            <a:r>
+              <a:rPr lang="en-US" dirty="0" err="1"/>
+              <a:t>Javascript</a:t>
+            </a:r>
+            <a:r>
+              <a:rPr lang="en-US" dirty="0"/>
+              <a:t> framework</a:t>
+            </a:r>
+          </a:p>
+          <a:p>
+            <a:r>
+              <a:rPr lang="en-US" dirty="0"/>
+              <a:t>First appeared in October 2010</a:t>
+            </a:r>
+            <a:endParaRPr lang="en-GB" dirty="0"/>
           </a:p>
         </p:txBody>
       </p:sp>
     </p:spTree>
     <p:extLst>
       <p:ext uri="{BB962C8B-B14F-4D97-AF65-F5344CB8AC3E}">
-        <p14:creationId xmlns:p14="http://schemas.microsoft.com/office/powerpoint/2010/main" val="1372365167"/>
+        <p14:creationId xmlns:p14="http://schemas.microsoft.com/office/powerpoint/2010/main" val="638976508"/>
       </p:ext>
     </p:extLst>
   </p:cSld>

--- a/Angular.pptx
+++ b/Angular.pptx
@@ -29,10 +29,6 @@
     <p:sldId id="271" r:id="rId23"/>
     <p:sldId id="272" r:id="rId24"/>
     <p:sldId id="274" r:id="rId25"/>
-    <p:sldId id="273" r:id="rId26"/>
-    <p:sldId id="275" r:id="rId27"/>
-    <p:sldId id="276" r:id="rId28"/>
-    <p:sldId id="277" r:id="rId29"/>
   </p:sldIdLst>
   <p:sldSz cx="12192000" cy="6858000"/>
   <p:notesSz cx="6858000" cy="9144000"/>
@@ -325,7 +321,7 @@
           <a:p>
             <a:fld id="{4AAD347D-5ACD-4C99-B74B-A9C85AD731AF}" type="datetimeFigureOut">
               <a:rPr lang="en-US" dirty="0"/>
-              <a:t>9/11/2019</a:t>
+              <a:t>9/18/2019</a:t>
             </a:fld>
             <a:endParaRPr lang="en-US" dirty="0"/>
           </a:p>
@@ -595,7 +591,7 @@
           <a:p>
             <a:fld id="{4509A250-FF31-4206-8172-F9D3106AACB1}" type="datetimeFigureOut">
               <a:rPr lang="en-US" dirty="0"/>
-              <a:t>9/11/2019</a:t>
+              <a:t>9/18/2019</a:t>
             </a:fld>
             <a:endParaRPr lang="en-US" dirty="0"/>
           </a:p>
@@ -784,7 +780,7 @@
           <a:p>
             <a:fld id="{4509A250-FF31-4206-8172-F9D3106AACB1}" type="datetimeFigureOut">
               <a:rPr lang="en-US" dirty="0"/>
-              <a:t>9/11/2019</a:t>
+              <a:t>9/18/2019</a:t>
             </a:fld>
             <a:endParaRPr lang="en-US" dirty="0"/>
           </a:p>
@@ -1052,7 +1048,7 @@
           <a:p>
             <a:fld id="{4509A250-FF31-4206-8172-F9D3106AACB1}" type="datetimeFigureOut">
               <a:rPr lang="en-US" dirty="0"/>
-              <a:t>9/11/2019</a:t>
+              <a:t>9/18/2019</a:t>
             </a:fld>
             <a:endParaRPr lang="en-US" dirty="0"/>
           </a:p>
@@ -1388,7 +1384,7 @@
           <a:p>
             <a:fld id="{4509A250-FF31-4206-8172-F9D3106AACB1}" type="datetimeFigureOut">
               <a:rPr lang="en-US" dirty="0"/>
-              <a:t>9/11/2019</a:t>
+              <a:t>9/18/2019</a:t>
             </a:fld>
             <a:endParaRPr lang="en-US" dirty="0"/>
           </a:p>
@@ -2006,7 +2002,7 @@
           <a:p>
             <a:fld id="{4509A250-FF31-4206-8172-F9D3106AACB1}" type="datetimeFigureOut">
               <a:rPr lang="en-US" dirty="0"/>
-              <a:t>9/11/2019</a:t>
+              <a:t>9/18/2019</a:t>
             </a:fld>
             <a:endParaRPr lang="en-US" dirty="0"/>
           </a:p>
@@ -2861,7 +2857,7 @@
           <a:p>
             <a:fld id="{4509A250-FF31-4206-8172-F9D3106AACB1}" type="datetimeFigureOut">
               <a:rPr lang="en-US" dirty="0"/>
-              <a:t>9/11/2019</a:t>
+              <a:t>9/18/2019</a:t>
             </a:fld>
             <a:endParaRPr lang="en-US" dirty="0"/>
           </a:p>
@@ -3026,7 +3022,7 @@
           <a:p>
             <a:fld id="{4509A250-FF31-4206-8172-F9D3106AACB1}" type="datetimeFigureOut">
               <a:rPr lang="en-US" dirty="0"/>
-              <a:t>9/11/2019</a:t>
+              <a:t>9/18/2019</a:t>
             </a:fld>
             <a:endParaRPr lang="en-US" dirty="0"/>
           </a:p>
@@ -3201,7 +3197,7 @@
           <a:p>
             <a:fld id="{4509A250-FF31-4206-8172-F9D3106AACB1}" type="datetimeFigureOut">
               <a:rPr lang="en-US" dirty="0"/>
-              <a:t>9/11/2019</a:t>
+              <a:t>9/18/2019</a:t>
             </a:fld>
             <a:endParaRPr lang="en-US" dirty="0"/>
           </a:p>
@@ -3366,7 +3362,7 @@
           <a:p>
             <a:fld id="{4509A250-FF31-4206-8172-F9D3106AACB1}" type="datetimeFigureOut">
               <a:rPr lang="en-US" dirty="0"/>
-              <a:t>9/11/2019</a:t>
+              <a:t>9/18/2019</a:t>
             </a:fld>
             <a:endParaRPr lang="en-US" dirty="0"/>
           </a:p>
@@ -3608,7 +3604,7 @@
           <a:p>
             <a:fld id="{9796027F-7875-4030-9381-8BD8C4F21935}" type="datetimeFigureOut">
               <a:rPr lang="en-US" dirty="0"/>
-              <a:t>9/11/2019</a:t>
+              <a:t>9/18/2019</a:t>
             </a:fld>
             <a:endParaRPr lang="en-US" dirty="0"/>
           </a:p>
@@ -3895,7 +3891,7 @@
           <a:p>
             <a:fld id="{9796027F-7875-4030-9381-8BD8C4F21935}" type="datetimeFigureOut">
               <a:rPr lang="en-US" dirty="0"/>
-              <a:t>9/11/2019</a:t>
+              <a:t>9/18/2019</a:t>
             </a:fld>
             <a:endParaRPr lang="en-US" dirty="0"/>
           </a:p>
@@ -4334,7 +4330,7 @@
           <a:p>
             <a:fld id="{9796027F-7875-4030-9381-8BD8C4F21935}" type="datetimeFigureOut">
               <a:rPr lang="en-US" dirty="0"/>
-              <a:t>9/11/2019</a:t>
+              <a:t>9/18/2019</a:t>
             </a:fld>
             <a:endParaRPr lang="en-US" dirty="0"/>
           </a:p>
@@ -4447,7 +4443,7 @@
           <a:p>
             <a:fld id="{4509A250-FF31-4206-8172-F9D3106AACB1}" type="datetimeFigureOut">
               <a:rPr lang="en-US" dirty="0"/>
-              <a:t>9/11/2019</a:t>
+              <a:t>9/18/2019</a:t>
             </a:fld>
             <a:endParaRPr lang="en-US" dirty="0"/>
           </a:p>
@@ -4537,7 +4533,7 @@
           <a:p>
             <a:fld id="{4509A250-FF31-4206-8172-F9D3106AACB1}" type="datetimeFigureOut">
               <a:rPr lang="en-US" dirty="0"/>
-              <a:t>9/11/2019</a:t>
+              <a:t>9/18/2019</a:t>
             </a:fld>
             <a:endParaRPr lang="en-US" dirty="0"/>
           </a:p>
@@ -4811,7 +4807,7 @@
           <a:p>
             <a:fld id="{4509A250-FF31-4206-8172-F9D3106AACB1}" type="datetimeFigureOut">
               <a:rPr lang="en-US" dirty="0"/>
-              <a:t>9/11/2019</a:t>
+              <a:t>9/18/2019</a:t>
             </a:fld>
             <a:endParaRPr lang="en-US" dirty="0"/>
           </a:p>
@@ -5081,7 +5077,7 @@
           <a:p>
             <a:fld id="{4509A250-FF31-4206-8172-F9D3106AACB1}" type="datetimeFigureOut">
               <a:rPr lang="en-US" dirty="0"/>
-              <a:t>9/11/2019</a:t>
+              <a:t>9/18/2019</a:t>
             </a:fld>
             <a:endParaRPr lang="en-US" dirty="0"/>
           </a:p>
@@ -5505,7 +5501,7 @@
           <a:p>
             <a:fld id="{4AAD347D-5ACD-4C99-B74B-A9C85AD731AF}" type="datetimeFigureOut">
               <a:rPr lang="en-US" dirty="0"/>
-              <a:t>9/11/2019</a:t>
+              <a:t>9/18/2019</a:t>
             </a:fld>
             <a:endParaRPr lang="en-US" dirty="0"/>
           </a:p>
@@ -6690,7 +6686,7 @@
           <a:p>
             <a:r>
               <a:rPr lang="en-US" dirty="0"/>
-              <a:t>Encourages use of patterns</a:t>
+              <a:t>Encourages use of SOLID principles</a:t>
             </a:r>
           </a:p>
         </p:txBody>
@@ -6792,7 +6788,7 @@
           <a:p>
             <a:r>
               <a:rPr lang="en-US" dirty="0"/>
-              <a:t>Encourages use of patterns</a:t>
+              <a:t>Encourages use of SOLID principles</a:t>
             </a:r>
           </a:p>
           <a:p>
@@ -6900,7 +6896,7 @@
           <a:p>
             <a:r>
               <a:rPr lang="en-US" dirty="0"/>
-              <a:t>Encourages use of patterns</a:t>
+              <a:t>Encourages use of SOLID principles</a:t>
             </a:r>
           </a:p>
           <a:p>
@@ -6912,13 +6908,8 @@
           <a:p>
             <a:r>
               <a:rPr lang="en-US" dirty="0"/>
-              <a:t>Code is well </a:t>
-            </a:r>
-            <a:r>
-              <a:rPr lang="en-US" dirty="0" err="1"/>
-              <a:t>organised</a:t>
-            </a:r>
-            <a:endParaRPr lang="en-US" dirty="0"/>
+              <a:t>Code tends be well structured and logical</a:t>
+            </a:r>
           </a:p>
         </p:txBody>
       </p:sp>
@@ -7019,7 +7010,7 @@
           <a:p>
             <a:r>
               <a:rPr lang="en-US" dirty="0"/>
-              <a:t>Encourages use of patterns</a:t>
+              <a:t>Encourages use of SOLID principles</a:t>
             </a:r>
           </a:p>
           <a:p>
@@ -7031,7 +7022,7 @@
           <a:p>
             <a:r>
               <a:rPr lang="en-US" dirty="0"/>
-              <a:t>Code is well organized</a:t>
+              <a:t>Code tends be well structured and logical</a:t>
             </a:r>
           </a:p>
           <a:p>
@@ -7139,7 +7130,7 @@
           <a:p>
             <a:r>
               <a:rPr lang="en-US" dirty="0"/>
-              <a:t>Encourages use of patterns</a:t>
+              <a:t>Encourages use of SOLID principles</a:t>
             </a:r>
           </a:p>
           <a:p>
@@ -7151,7 +7142,7 @@
           <a:p>
             <a:r>
               <a:rPr lang="en-US" dirty="0"/>
-              <a:t>Code is well organized</a:t>
+              <a:t>Code tends be well structured and logical</a:t>
             </a:r>
           </a:p>
           <a:p>
@@ -7163,7 +7154,7 @@
           <a:p>
             <a:r>
               <a:rPr lang="en-US" dirty="0"/>
-              <a:t>Uses Typescript and CSS pre-compilers (SASS/LESS) out of the box.</a:t>
+              <a:t>Uses Typescript and CSS pre-compilers (SCSS/LESS) out of the box.</a:t>
             </a:r>
           </a:p>
         </p:txBody>
@@ -7360,7 +7351,7 @@
           <a:p>
             <a:r>
               <a:rPr lang="en-US" dirty="0"/>
-              <a:t>Encourages use of patterns</a:t>
+              <a:t>Encourages use of SOLID principles</a:t>
             </a:r>
           </a:p>
           <a:p>
@@ -7372,7 +7363,7 @@
           <a:p>
             <a:r>
               <a:rPr lang="en-US" dirty="0"/>
-              <a:t>Code is well organized</a:t>
+              <a:t>Code tends be well structured and logical</a:t>
             </a:r>
           </a:p>
           <a:p>
@@ -7384,7 +7375,7 @@
           <a:p>
             <a:r>
               <a:rPr lang="en-US" dirty="0"/>
-              <a:t>Uses Typescript and CSS pre-compilers (SASS/LESS) out of the box.</a:t>
+              <a:t>Uses Typescript and CSS pre-compilers (SCSS/LESS) out of the box.</a:t>
             </a:r>
           </a:p>
           <a:p>
@@ -7797,447 +7788,6 @@
     <p:extLst>
       <p:ext uri="{BB962C8B-B14F-4D97-AF65-F5344CB8AC3E}">
         <p14:creationId xmlns:p14="http://schemas.microsoft.com/office/powerpoint/2010/main" val="3833539852"/>
-      </p:ext>
-    </p:extLst>
-  </p:cSld>
-  <p:clrMapOvr>
-    <a:masterClrMapping/>
-  </p:clrMapOvr>
-  <p:transition spd="slow">
-    <p:wipe/>
-  </p:transition>
-</p:sld>
-</file>
-
-<file path=ppt/slides/slide25.xml><?xml version="1.0" encoding="utf-8"?>
-<p:sld xmlns:a="http://schemas.openxmlformats.org/drawingml/2006/main" xmlns:r="http://schemas.openxmlformats.org/officeDocument/2006/relationships" xmlns:p="http://schemas.openxmlformats.org/presentationml/2006/main">
-  <p:cSld>
-    <p:spTree>
-      <p:nvGrpSpPr>
-        <p:cNvPr id="1" name=""/>
-        <p:cNvGrpSpPr/>
-        <p:nvPr/>
-      </p:nvGrpSpPr>
-      <p:grpSpPr>
-        <a:xfrm>
-          <a:off x="0" y="0"/>
-          <a:ext cx="0" cy="0"/>
-          <a:chOff x="0" y="0"/>
-          <a:chExt cx="0" cy="0"/>
-        </a:xfrm>
-      </p:grpSpPr>
-      <p:sp>
-        <p:nvSpPr>
-          <p:cNvPr id="2" name="Title 1">
-            <a:extLst>
-              <a:ext uri="{FF2B5EF4-FFF2-40B4-BE49-F238E27FC236}">
-                <a16:creationId xmlns:a16="http://schemas.microsoft.com/office/drawing/2014/main" id="{48750DE6-170F-4F5C-8CAC-7A5F9E5EF9D0}"/>
-              </a:ext>
-            </a:extLst>
-          </p:cNvPr>
-          <p:cNvSpPr>
-            <a:spLocks noGrp="1"/>
-          </p:cNvSpPr>
-          <p:nvPr>
-            <p:ph type="title"/>
-          </p:nvPr>
-        </p:nvSpPr>
-        <p:spPr/>
-        <p:txBody>
-          <a:bodyPr/>
-          <a:lstStyle/>
-          <a:p>
-            <a:r>
-              <a:rPr lang="en-US" dirty="0"/>
-              <a:t>Creating an Angular application</a:t>
-            </a:r>
-            <a:endParaRPr lang="en-GB" dirty="0"/>
-          </a:p>
-        </p:txBody>
-      </p:sp>
-      <p:sp>
-        <p:nvSpPr>
-          <p:cNvPr id="3" name="Content Placeholder 2">
-            <a:extLst>
-              <a:ext uri="{FF2B5EF4-FFF2-40B4-BE49-F238E27FC236}">
-                <a16:creationId xmlns:a16="http://schemas.microsoft.com/office/drawing/2014/main" id="{687CE64E-9E7F-4B6F-8310-FFD720CFB7CE}"/>
-              </a:ext>
-            </a:extLst>
-          </p:cNvPr>
-          <p:cNvSpPr>
-            <a:spLocks noGrp="1"/>
-          </p:cNvSpPr>
-          <p:nvPr>
-            <p:ph idx="1"/>
-          </p:nvPr>
-        </p:nvSpPr>
-        <p:spPr/>
-        <p:txBody>
-          <a:bodyPr/>
-          <a:lstStyle/>
-          <a:p>
-            <a:r>
-              <a:rPr lang="en-US" dirty="0"/>
-              <a:t>Download and install </a:t>
-            </a:r>
-            <a:r>
-              <a:rPr lang="en-US" dirty="0" err="1"/>
-              <a:t>NodeJs</a:t>
-            </a:r>
-            <a:r>
-              <a:rPr lang="en-US" dirty="0"/>
-              <a:t> if not already done, you may want to download the latest version if it has been a while since you installed it.</a:t>
-            </a:r>
-          </a:p>
-        </p:txBody>
-      </p:sp>
-    </p:spTree>
-    <p:extLst>
-      <p:ext uri="{BB962C8B-B14F-4D97-AF65-F5344CB8AC3E}">
-        <p14:creationId xmlns:p14="http://schemas.microsoft.com/office/powerpoint/2010/main" val="49239713"/>
-      </p:ext>
-    </p:extLst>
-  </p:cSld>
-  <p:clrMapOvr>
-    <a:masterClrMapping/>
-  </p:clrMapOvr>
-  <p:transition spd="slow">
-    <p:wipe/>
-  </p:transition>
-</p:sld>
-</file>
-
-<file path=ppt/slides/slide26.xml><?xml version="1.0" encoding="utf-8"?>
-<p:sld xmlns:a="http://schemas.openxmlformats.org/drawingml/2006/main" xmlns:r="http://schemas.openxmlformats.org/officeDocument/2006/relationships" xmlns:p="http://schemas.openxmlformats.org/presentationml/2006/main">
-  <p:cSld>
-    <p:spTree>
-      <p:nvGrpSpPr>
-        <p:cNvPr id="1" name=""/>
-        <p:cNvGrpSpPr/>
-        <p:nvPr/>
-      </p:nvGrpSpPr>
-      <p:grpSpPr>
-        <a:xfrm>
-          <a:off x="0" y="0"/>
-          <a:ext cx="0" cy="0"/>
-          <a:chOff x="0" y="0"/>
-          <a:chExt cx="0" cy="0"/>
-        </a:xfrm>
-      </p:grpSpPr>
-      <p:sp>
-        <p:nvSpPr>
-          <p:cNvPr id="2" name="Title 1">
-            <a:extLst>
-              <a:ext uri="{FF2B5EF4-FFF2-40B4-BE49-F238E27FC236}">
-                <a16:creationId xmlns:a16="http://schemas.microsoft.com/office/drawing/2014/main" id="{48750DE6-170F-4F5C-8CAC-7A5F9E5EF9D0}"/>
-              </a:ext>
-            </a:extLst>
-          </p:cNvPr>
-          <p:cNvSpPr>
-            <a:spLocks noGrp="1"/>
-          </p:cNvSpPr>
-          <p:nvPr>
-            <p:ph type="title"/>
-          </p:nvPr>
-        </p:nvSpPr>
-        <p:spPr/>
-        <p:txBody>
-          <a:bodyPr/>
-          <a:lstStyle/>
-          <a:p>
-            <a:r>
-              <a:rPr lang="en-US" dirty="0"/>
-              <a:t>Creating an Angular application</a:t>
-            </a:r>
-            <a:endParaRPr lang="en-GB" dirty="0"/>
-          </a:p>
-        </p:txBody>
-      </p:sp>
-      <p:sp>
-        <p:nvSpPr>
-          <p:cNvPr id="3" name="Content Placeholder 2">
-            <a:extLst>
-              <a:ext uri="{FF2B5EF4-FFF2-40B4-BE49-F238E27FC236}">
-                <a16:creationId xmlns:a16="http://schemas.microsoft.com/office/drawing/2014/main" id="{687CE64E-9E7F-4B6F-8310-FFD720CFB7CE}"/>
-              </a:ext>
-            </a:extLst>
-          </p:cNvPr>
-          <p:cNvSpPr>
-            <a:spLocks noGrp="1"/>
-          </p:cNvSpPr>
-          <p:nvPr>
-            <p:ph idx="1"/>
-          </p:nvPr>
-        </p:nvSpPr>
-        <p:spPr/>
-        <p:txBody>
-          <a:bodyPr/>
-          <a:lstStyle/>
-          <a:p>
-            <a:r>
-              <a:rPr lang="en-US" dirty="0"/>
-              <a:t>Download and install </a:t>
-            </a:r>
-            <a:r>
-              <a:rPr lang="en-US" dirty="0" err="1"/>
-              <a:t>NodeJs</a:t>
-            </a:r>
-            <a:r>
-              <a:rPr lang="en-US" dirty="0"/>
-              <a:t> if not already done, you may want to download the latest version if it has been a while since you installed it.</a:t>
-            </a:r>
-          </a:p>
-          <a:p>
-            <a:r>
-              <a:rPr lang="en-US" dirty="0"/>
-              <a:t>Open VS Code and navigate to a new empty folder</a:t>
-            </a:r>
-          </a:p>
-        </p:txBody>
-      </p:sp>
-    </p:spTree>
-    <p:extLst>
-      <p:ext uri="{BB962C8B-B14F-4D97-AF65-F5344CB8AC3E}">
-        <p14:creationId xmlns:p14="http://schemas.microsoft.com/office/powerpoint/2010/main" val="2029064754"/>
-      </p:ext>
-    </p:extLst>
-  </p:cSld>
-  <p:clrMapOvr>
-    <a:masterClrMapping/>
-  </p:clrMapOvr>
-  <p:transition spd="slow">
-    <p:wipe/>
-  </p:transition>
-</p:sld>
-</file>
-
-<file path=ppt/slides/slide27.xml><?xml version="1.0" encoding="utf-8"?>
-<p:sld xmlns:a="http://schemas.openxmlformats.org/drawingml/2006/main" xmlns:r="http://schemas.openxmlformats.org/officeDocument/2006/relationships" xmlns:p="http://schemas.openxmlformats.org/presentationml/2006/main">
-  <p:cSld>
-    <p:spTree>
-      <p:nvGrpSpPr>
-        <p:cNvPr id="1" name=""/>
-        <p:cNvGrpSpPr/>
-        <p:nvPr/>
-      </p:nvGrpSpPr>
-      <p:grpSpPr>
-        <a:xfrm>
-          <a:off x="0" y="0"/>
-          <a:ext cx="0" cy="0"/>
-          <a:chOff x="0" y="0"/>
-          <a:chExt cx="0" cy="0"/>
-        </a:xfrm>
-      </p:grpSpPr>
-      <p:sp>
-        <p:nvSpPr>
-          <p:cNvPr id="2" name="Title 1">
-            <a:extLst>
-              <a:ext uri="{FF2B5EF4-FFF2-40B4-BE49-F238E27FC236}">
-                <a16:creationId xmlns:a16="http://schemas.microsoft.com/office/drawing/2014/main" id="{48750DE6-170F-4F5C-8CAC-7A5F9E5EF9D0}"/>
-              </a:ext>
-            </a:extLst>
-          </p:cNvPr>
-          <p:cNvSpPr>
-            <a:spLocks noGrp="1"/>
-          </p:cNvSpPr>
-          <p:nvPr>
-            <p:ph type="title"/>
-          </p:nvPr>
-        </p:nvSpPr>
-        <p:spPr/>
-        <p:txBody>
-          <a:bodyPr/>
-          <a:lstStyle/>
-          <a:p>
-            <a:r>
-              <a:rPr lang="en-US" dirty="0"/>
-              <a:t>Creating an Angular application</a:t>
-            </a:r>
-            <a:endParaRPr lang="en-GB" dirty="0"/>
-          </a:p>
-        </p:txBody>
-      </p:sp>
-      <p:sp>
-        <p:nvSpPr>
-          <p:cNvPr id="3" name="Content Placeholder 2">
-            <a:extLst>
-              <a:ext uri="{FF2B5EF4-FFF2-40B4-BE49-F238E27FC236}">
-                <a16:creationId xmlns:a16="http://schemas.microsoft.com/office/drawing/2014/main" id="{687CE64E-9E7F-4B6F-8310-FFD720CFB7CE}"/>
-              </a:ext>
-            </a:extLst>
-          </p:cNvPr>
-          <p:cNvSpPr>
-            <a:spLocks noGrp="1"/>
-          </p:cNvSpPr>
-          <p:nvPr>
-            <p:ph idx="1"/>
-          </p:nvPr>
-        </p:nvSpPr>
-        <p:spPr/>
-        <p:txBody>
-          <a:bodyPr/>
-          <a:lstStyle/>
-          <a:p>
-            <a:r>
-              <a:rPr lang="en-US" dirty="0"/>
-              <a:t>Download and install </a:t>
-            </a:r>
-            <a:r>
-              <a:rPr lang="en-US" dirty="0" err="1"/>
-              <a:t>NodeJs</a:t>
-            </a:r>
-            <a:r>
-              <a:rPr lang="en-US" dirty="0"/>
-              <a:t> if not already done, you may want to download the latest version if it has been a while since you installed it.</a:t>
-            </a:r>
-          </a:p>
-          <a:p>
-            <a:r>
-              <a:rPr lang="en-US" dirty="0"/>
-              <a:t>Open VS Code and navigate to a new empty folder</a:t>
-            </a:r>
-          </a:p>
-          <a:p>
-            <a:r>
-              <a:rPr lang="en-US" dirty="0"/>
-              <a:t>Open a new terminal window from within VS Code</a:t>
-            </a:r>
-          </a:p>
-        </p:txBody>
-      </p:sp>
-    </p:spTree>
-    <p:extLst>
-      <p:ext uri="{BB962C8B-B14F-4D97-AF65-F5344CB8AC3E}">
-        <p14:creationId xmlns:p14="http://schemas.microsoft.com/office/powerpoint/2010/main" val="2848874123"/>
-      </p:ext>
-    </p:extLst>
-  </p:cSld>
-  <p:clrMapOvr>
-    <a:masterClrMapping/>
-  </p:clrMapOvr>
-  <p:transition spd="slow">
-    <p:wipe/>
-  </p:transition>
-</p:sld>
-</file>
-
-<file path=ppt/slides/slide28.xml><?xml version="1.0" encoding="utf-8"?>
-<p:sld xmlns:a="http://schemas.openxmlformats.org/drawingml/2006/main" xmlns:r="http://schemas.openxmlformats.org/officeDocument/2006/relationships" xmlns:p="http://schemas.openxmlformats.org/presentationml/2006/main">
-  <p:cSld>
-    <p:spTree>
-      <p:nvGrpSpPr>
-        <p:cNvPr id="1" name=""/>
-        <p:cNvGrpSpPr/>
-        <p:nvPr/>
-      </p:nvGrpSpPr>
-      <p:grpSpPr>
-        <a:xfrm>
-          <a:off x="0" y="0"/>
-          <a:ext cx="0" cy="0"/>
-          <a:chOff x="0" y="0"/>
-          <a:chExt cx="0" cy="0"/>
-        </a:xfrm>
-      </p:grpSpPr>
-      <p:sp>
-        <p:nvSpPr>
-          <p:cNvPr id="2" name="Title 1">
-            <a:extLst>
-              <a:ext uri="{FF2B5EF4-FFF2-40B4-BE49-F238E27FC236}">
-                <a16:creationId xmlns:a16="http://schemas.microsoft.com/office/drawing/2014/main" id="{48750DE6-170F-4F5C-8CAC-7A5F9E5EF9D0}"/>
-              </a:ext>
-            </a:extLst>
-          </p:cNvPr>
-          <p:cNvSpPr>
-            <a:spLocks noGrp="1"/>
-          </p:cNvSpPr>
-          <p:nvPr>
-            <p:ph type="title"/>
-          </p:nvPr>
-        </p:nvSpPr>
-        <p:spPr/>
-        <p:txBody>
-          <a:bodyPr/>
-          <a:lstStyle/>
-          <a:p>
-            <a:r>
-              <a:rPr lang="en-US" dirty="0"/>
-              <a:t>Creating an Angular application</a:t>
-            </a:r>
-            <a:endParaRPr lang="en-GB" dirty="0"/>
-          </a:p>
-        </p:txBody>
-      </p:sp>
-      <p:sp>
-        <p:nvSpPr>
-          <p:cNvPr id="3" name="Content Placeholder 2">
-            <a:extLst>
-              <a:ext uri="{FF2B5EF4-FFF2-40B4-BE49-F238E27FC236}">
-                <a16:creationId xmlns:a16="http://schemas.microsoft.com/office/drawing/2014/main" id="{687CE64E-9E7F-4B6F-8310-FFD720CFB7CE}"/>
-              </a:ext>
-            </a:extLst>
-          </p:cNvPr>
-          <p:cNvSpPr>
-            <a:spLocks noGrp="1"/>
-          </p:cNvSpPr>
-          <p:nvPr>
-            <p:ph idx="1"/>
-          </p:nvPr>
-        </p:nvSpPr>
-        <p:spPr/>
-        <p:txBody>
-          <a:bodyPr/>
-          <a:lstStyle/>
-          <a:p>
-            <a:r>
-              <a:rPr lang="en-US" dirty="0"/>
-              <a:t>Download and install </a:t>
-            </a:r>
-            <a:r>
-              <a:rPr lang="en-US" dirty="0" err="1"/>
-              <a:t>NodeJs</a:t>
-            </a:r>
-            <a:r>
-              <a:rPr lang="en-US" dirty="0"/>
-              <a:t> if not already done, you may want to download the latest version if it has been a while since you installed it.</a:t>
-            </a:r>
-          </a:p>
-          <a:p>
-            <a:r>
-              <a:rPr lang="en-US" dirty="0"/>
-              <a:t>Open VS Code and navigate to a new empty folder</a:t>
-            </a:r>
-          </a:p>
-          <a:p>
-            <a:r>
-              <a:rPr lang="en-US" dirty="0"/>
-              <a:t>Open a new terminal window from within VS Code</a:t>
-            </a:r>
-          </a:p>
-          <a:p>
-            <a:r>
-              <a:rPr lang="en-US" dirty="0"/>
-              <a:t>&gt; </a:t>
-            </a:r>
-            <a:r>
-              <a:rPr lang="en-US" dirty="0" err="1"/>
-              <a:t>npm</a:t>
-            </a:r>
-            <a:r>
-              <a:rPr lang="en-US" dirty="0"/>
-              <a:t> install </a:t>
-            </a:r>
-            <a:r>
-              <a:rPr lang="en-US"/>
-              <a:t>@angular\cli</a:t>
-            </a:r>
-            <a:endParaRPr lang="en-US" dirty="0"/>
-          </a:p>
-        </p:txBody>
-      </p:sp>
-    </p:spTree>
-    <p:extLst>
-      <p:ext uri="{BB962C8B-B14F-4D97-AF65-F5344CB8AC3E}">
-        <p14:creationId xmlns:p14="http://schemas.microsoft.com/office/powerpoint/2010/main" val="2380825287"/>
       </p:ext>
     </p:extLst>
   </p:cSld>
